--- a/Mastering Supabase Session6.pptx
+++ b/Mastering Supabase Session6.pptx
@@ -30,44 +30,39 @@
     <p:sldId id="445" r:id="rId23"/>
     <p:sldId id="484" r:id="rId24"/>
     <p:sldId id="485" r:id="rId25"/>
-    <p:sldId id="461" r:id="rId26"/>
-    <p:sldId id="446" r:id="rId27"/>
-    <p:sldId id="462" r:id="rId28"/>
-    <p:sldId id="463" r:id="rId29"/>
-    <p:sldId id="464" r:id="rId30"/>
-    <p:sldId id="394" r:id="rId31"/>
-    <p:sldId id="395" r:id="rId32"/>
-    <p:sldId id="402" r:id="rId33"/>
-    <p:sldId id="486" r:id="rId34"/>
-    <p:sldId id="398" r:id="rId35"/>
-    <p:sldId id="399" r:id="rId36"/>
-    <p:sldId id="400" r:id="rId37"/>
-    <p:sldId id="401" r:id="rId38"/>
+    <p:sldId id="394" r:id="rId26"/>
+    <p:sldId id="395" r:id="rId27"/>
+    <p:sldId id="402" r:id="rId28"/>
+    <p:sldId id="486" r:id="rId29"/>
+    <p:sldId id="398" r:id="rId30"/>
+    <p:sldId id="399" r:id="rId31"/>
+    <p:sldId id="400" r:id="rId32"/>
+    <p:sldId id="401" r:id="rId33"/>
   </p:sldIdLst>
   <p:sldSz cx="12192000" cy="6858000"/>
   <p:notesSz cx="6858000" cy="9144000"/>
   <p:embeddedFontLst>
     <p:embeddedFont>
       <p:font typeface="Calistoga"/>
+      <p:regular r:id="rId37"/>
+    </p:embeddedFont>
+    <p:embeddedFont>
+      <p:font typeface="Antic Slab"/>
+      <p:regular r:id="rId38"/>
+    </p:embeddedFont>
+    <p:embeddedFont>
+      <p:font typeface="Poppins" panose="00000400000000000000"/>
+      <p:regular r:id="rId39"/>
+      <p:italic r:id="rId40"/>
+      <p:boldItalic r:id="rId41"/>
+    </p:embeddedFont>
+    <p:embeddedFont>
+      <p:font typeface="Homemade Apple" panose="02000000000000000000"/>
       <p:regular r:id="rId42"/>
     </p:embeddedFont>
     <p:embeddedFont>
-      <p:font typeface="Antic Slab"/>
+      <p:font typeface="Aldhabi" panose="01000000000000000000" charset="0"/>
       <p:regular r:id="rId43"/>
-    </p:embeddedFont>
-    <p:embeddedFont>
-      <p:font typeface="Poppins" panose="00000400000000000000"/>
-      <p:regular r:id="rId44"/>
-      <p:italic r:id="rId45"/>
-      <p:boldItalic r:id="rId46"/>
-    </p:embeddedFont>
-    <p:embeddedFont>
-      <p:font typeface="Homemade Apple" panose="02000000000000000000"/>
-      <p:regular r:id="rId47"/>
-    </p:embeddedFont>
-    <p:embeddedFont>
-      <p:font typeface="Aldhabi" panose="01000000000000000000" charset="0"/>
-      <p:regular r:id="rId48"/>
     </p:embeddedFont>
   </p:embeddedFontLst>
   <p:defaultTextStyle>
@@ -20359,1172 +20354,6 @@
   <p:cSld>
     <p:spTree>
       <p:nvGrpSpPr>
-        <p:cNvPr id="1" name=""/>
-        <p:cNvGrpSpPr/>
-        <p:nvPr/>
-      </p:nvGrpSpPr>
-      <p:grpSpPr/>
-      <p:sp>
-        <p:nvSpPr>
-          <p:cNvPr id="136" name="Google Shape;136;p19"/>
-          <p:cNvSpPr/>
-          <p:nvPr>
-            <p:custDataLst>
-              <p:tags r:id="rId1"/>
-            </p:custDataLst>
-          </p:nvPr>
-        </p:nvSpPr>
-        <p:spPr>
-          <a:xfrm>
-            <a:off x="1110585" y="1307323"/>
-            <a:ext cx="1262400" cy="1262400"/>
-          </a:xfrm>
-          <a:prstGeom prst="ellipse">
-            <a:avLst/>
-          </a:prstGeom>
-          <a:gradFill>
-            <a:gsLst>
-              <a:gs pos="0">
-                <a:srgbClr val="30C088"/>
-              </a:gs>
-              <a:gs pos="52999">
-                <a:srgbClr val="3FCF99"/>
-              </a:gs>
-              <a:gs pos="100000">
-                <a:srgbClr val="FFFFFF">
-                  <a:alpha val="1960"/>
-                </a:srgbClr>
-              </a:gs>
-            </a:gsLst>
-            <a:path path="circle">
-              <a:fillToRect l="50000" t="50000" r="50000" b="50000"/>
-            </a:path>
-            <a:tileRect/>
-          </a:gradFill>
-          <a:ln>
-            <a:noFill/>
-          </a:ln>
-        </p:spPr>
-        <p:txBody>
-          <a:bodyPr spcFirstLastPara="1" wrap="square" lIns="91425" tIns="91425" rIns="91425" bIns="91425" anchor="ctr" anchorCtr="0">
-            <a:noAutofit/>
-          </a:bodyPr>
-          <a:p>
-            <a:pPr marL="0" marR="0" lvl="0" indent="0" algn="ctr" rtl="0">
-              <a:lnSpc>
-                <a:spcPct val="100000"/>
-              </a:lnSpc>
-              <a:spcBef>
-                <a:spcPts val="0"/>
-              </a:spcBef>
-              <a:spcAft>
-                <a:spcPts val="0"/>
-              </a:spcAft>
-              <a:buNone/>
-            </a:pPr>
-            <a:endParaRPr>
-              <a:latin typeface="Antic Slab"/>
-              <a:ea typeface="Antic Slab"/>
-              <a:cs typeface="Antic Slab"/>
-              <a:sym typeface="Antic Slab"/>
-            </a:endParaRPr>
-          </a:p>
-        </p:txBody>
-      </p:sp>
-      <p:sp>
-        <p:nvSpPr>
-          <p:cNvPr id="2" name="Title 1"/>
-          <p:cNvSpPr/>
-          <p:nvPr>
-            <p:ph type="title"/>
-          </p:nvPr>
-        </p:nvSpPr>
-        <p:spPr/>
-        <p:txBody>
-          <a:bodyPr/>
-          <a:p>
-            <a:r>
-              <a:rPr lang="en-US"/>
-              <a:t>Setting Up Social Providers in Supabase</a:t>
-            </a:r>
-            <a:endParaRPr lang="en-US"/>
-          </a:p>
-        </p:txBody>
-      </p:sp>
-      <p:sp>
-        <p:nvSpPr>
-          <p:cNvPr id="3" name="Text Placeholder 2"/>
-          <p:cNvSpPr/>
-          <p:nvPr>
-            <p:ph type="body" idx="1"/>
-          </p:nvPr>
-        </p:nvSpPr>
-        <p:spPr>
-          <a:xfrm>
-            <a:off x="1401445" y="2789555"/>
-            <a:ext cx="8284210" cy="3265805"/>
-          </a:xfrm>
-        </p:spPr>
-        <p:txBody>
-          <a:bodyPr/>
-          <a:p>
-            <a:pPr>
-              <a:lnSpc>
-                <a:spcPct val="150000"/>
-              </a:lnSpc>
-            </a:pPr>
-            <a:r>
-              <a:rPr lang="en-US"/>
-              <a:t>Example for Google:</a:t>
-            </a:r>
-            <a:endParaRPr lang="en-US"/>
-          </a:p>
-          <a:p>
-            <a:pPr lvl="1">
-              <a:lnSpc>
-                <a:spcPct val="150000"/>
-              </a:lnSpc>
-            </a:pPr>
-            <a:r>
-              <a:rPr lang="en-US"/>
-              <a:t>Visit the </a:t>
-            </a:r>
-            <a:r>
-              <a:rPr lang="en-US">
-                <a:hlinkClick r:id="rId2" action="ppaction://hlinkfile"/>
-              </a:rPr>
-              <a:t>Google Cloud Console</a:t>
-            </a:r>
-            <a:r>
-              <a:rPr lang="en-US"/>
-              <a:t>, create a project, and generate OAuth credentials for a web application.</a:t>
-            </a:r>
-            <a:endParaRPr lang="en-US"/>
-          </a:p>
-          <a:p>
-            <a:pPr lvl="1">
-              <a:lnSpc>
-                <a:spcPct val="150000"/>
-              </a:lnSpc>
-            </a:pPr>
-            <a:r>
-              <a:rPr lang="en-US"/>
-              <a:t>Input the Client ID and Client Secret into the Supabase dashboard.</a:t>
-            </a:r>
-            <a:endParaRPr lang="en-US"/>
-          </a:p>
-        </p:txBody>
-      </p:sp>
-      <p:sp>
-        <p:nvSpPr>
-          <p:cNvPr id="5" name="Text Box 4"/>
-          <p:cNvSpPr txBox="1"/>
-          <p:nvPr>
-            <p:custDataLst>
-              <p:tags r:id="rId3"/>
-            </p:custDataLst>
-          </p:nvPr>
-        </p:nvSpPr>
-        <p:spPr>
-          <a:xfrm rot="5400000">
-            <a:off x="-1236345" y="5244465"/>
-            <a:ext cx="2849880" cy="377190"/>
-          </a:xfrm>
-          <a:prstGeom prst="rect">
-            <a:avLst/>
-          </a:prstGeom>
-        </p:spPr>
-        <p:style>
-          <a:lnRef idx="2">
-            <a:schemeClr val="lt1"/>
-          </a:lnRef>
-          <a:fillRef idx="1">
-            <a:prstClr val="black"/>
-          </a:fillRef>
-          <a:effectRef idx="1">
-            <a:prstClr val="black"/>
-          </a:effectRef>
-          <a:fontRef idx="minor">
-            <a:schemeClr val="lt1"/>
-          </a:fontRef>
-        </p:style>
-        <p:txBody>
-          <a:bodyPr wrap="square" rtlCol="0">
-            <a:noAutofit/>
-          </a:bodyPr>
-          <a:p>
-            <a:pPr algn="ctr"/>
-            <a:r>
-              <a:rPr lang="en-US"/>
-              <a:t>joeshwoa.george@gmail.com</a:t>
-            </a:r>
-            <a:endParaRPr lang="en-US"/>
-          </a:p>
-        </p:txBody>
-      </p:sp>
-    </p:spTree>
-  </p:cSld>
-  <p:clrMapOvr>
-    <a:masterClrMapping/>
-  </p:clrMapOvr>
-</p:sld>
-</file>
-
-<file path=ppt/slides/slide24.xml><?xml version="1.0" encoding="utf-8"?>
-<p:sld xmlns:a="http://schemas.openxmlformats.org/drawingml/2006/main" xmlns:r="http://schemas.openxmlformats.org/officeDocument/2006/relationships" xmlns:p="http://schemas.openxmlformats.org/presentationml/2006/main">
-  <p:cSld>
-    <p:spTree>
-      <p:nvGrpSpPr>
-        <p:cNvPr id="1" name=""/>
-        <p:cNvGrpSpPr/>
-        <p:nvPr/>
-      </p:nvGrpSpPr>
-      <p:grpSpPr/>
-      <p:sp>
-        <p:nvSpPr>
-          <p:cNvPr id="136" name="Google Shape;136;p19"/>
-          <p:cNvSpPr/>
-          <p:nvPr>
-            <p:custDataLst>
-              <p:tags r:id="rId1"/>
-            </p:custDataLst>
-          </p:nvPr>
-        </p:nvSpPr>
-        <p:spPr>
-          <a:xfrm>
-            <a:off x="1110585" y="1307323"/>
-            <a:ext cx="1262400" cy="1262400"/>
-          </a:xfrm>
-          <a:prstGeom prst="ellipse">
-            <a:avLst/>
-          </a:prstGeom>
-          <a:gradFill>
-            <a:gsLst>
-              <a:gs pos="0">
-                <a:srgbClr val="30C088"/>
-              </a:gs>
-              <a:gs pos="52999">
-                <a:srgbClr val="3FCF99"/>
-              </a:gs>
-              <a:gs pos="100000">
-                <a:srgbClr val="FFFFFF">
-                  <a:alpha val="1960"/>
-                </a:srgbClr>
-              </a:gs>
-            </a:gsLst>
-            <a:path path="circle">
-              <a:fillToRect l="50000" t="50000" r="50000" b="50000"/>
-            </a:path>
-            <a:tileRect/>
-          </a:gradFill>
-          <a:ln>
-            <a:noFill/>
-          </a:ln>
-        </p:spPr>
-        <p:txBody>
-          <a:bodyPr spcFirstLastPara="1" wrap="square" lIns="91425" tIns="91425" rIns="91425" bIns="91425" anchor="ctr" anchorCtr="0">
-            <a:noAutofit/>
-          </a:bodyPr>
-          <a:p>
-            <a:pPr marL="0" marR="0" lvl="0" indent="0" algn="ctr" rtl="0">
-              <a:lnSpc>
-                <a:spcPct val="100000"/>
-              </a:lnSpc>
-              <a:spcBef>
-                <a:spcPts val="0"/>
-              </a:spcBef>
-              <a:spcAft>
-                <a:spcPts val="0"/>
-              </a:spcAft>
-              <a:buNone/>
-            </a:pPr>
-            <a:endParaRPr>
-              <a:latin typeface="Antic Slab"/>
-              <a:ea typeface="Antic Slab"/>
-              <a:cs typeface="Antic Slab"/>
-              <a:sym typeface="Antic Slab"/>
-            </a:endParaRPr>
-          </a:p>
-        </p:txBody>
-      </p:sp>
-      <p:sp>
-        <p:nvSpPr>
-          <p:cNvPr id="2" name="Title 1"/>
-          <p:cNvSpPr/>
-          <p:nvPr>
-            <p:ph type="title"/>
-          </p:nvPr>
-        </p:nvSpPr>
-        <p:spPr/>
-        <p:txBody>
-          <a:bodyPr/>
-          <a:p>
-            <a:r>
-              <a:rPr lang="en-US">
-                <a:sym typeface="+mn-ea"/>
-              </a:rPr>
-              <a:t>Setting Up Social Providers in Supabase</a:t>
-            </a:r>
-            <a:endParaRPr lang="en-US"/>
-          </a:p>
-        </p:txBody>
-      </p:sp>
-      <p:sp>
-        <p:nvSpPr>
-          <p:cNvPr id="3" name="Text Placeholder 2"/>
-          <p:cNvSpPr/>
-          <p:nvPr>
-            <p:ph type="body" idx="1"/>
-          </p:nvPr>
-        </p:nvSpPr>
-        <p:spPr>
-          <a:xfrm>
-            <a:off x="1401445" y="2789555"/>
-            <a:ext cx="8284210" cy="3265805"/>
-          </a:xfrm>
-        </p:spPr>
-        <p:txBody>
-          <a:bodyPr/>
-          <a:p>
-            <a:pPr>
-              <a:lnSpc>
-                <a:spcPct val="150000"/>
-              </a:lnSpc>
-            </a:pPr>
-            <a:r>
-              <a:rPr lang="en-US"/>
-              <a:t>Using Supabase SDK for Social Logins</a:t>
-            </a:r>
-            <a:endParaRPr lang="en-US"/>
-          </a:p>
-          <a:p>
-            <a:pPr lvl="1">
-              <a:lnSpc>
-                <a:spcPct val="150000"/>
-              </a:lnSpc>
-            </a:pPr>
-            <a:r>
-              <a:rPr lang="en-US"/>
-              <a:t>Example: Logging in a user via Google:</a:t>
-            </a:r>
-            <a:endParaRPr lang="en-US"/>
-          </a:p>
-        </p:txBody>
-      </p:sp>
-      <p:sp>
-        <p:nvSpPr>
-          <p:cNvPr id="5" name="Text Box 4"/>
-          <p:cNvSpPr txBox="1"/>
-          <p:nvPr>
-            <p:custDataLst>
-              <p:tags r:id="rId2"/>
-            </p:custDataLst>
-          </p:nvPr>
-        </p:nvSpPr>
-        <p:spPr>
-          <a:xfrm rot="5400000">
-            <a:off x="-1236345" y="5244465"/>
-            <a:ext cx="2849880" cy="377190"/>
-          </a:xfrm>
-          <a:prstGeom prst="rect">
-            <a:avLst/>
-          </a:prstGeom>
-        </p:spPr>
-        <p:style>
-          <a:lnRef idx="2">
-            <a:schemeClr val="lt1"/>
-          </a:lnRef>
-          <a:fillRef idx="1">
-            <a:prstClr val="black"/>
-          </a:fillRef>
-          <a:effectRef idx="1">
-            <a:prstClr val="black"/>
-          </a:effectRef>
-          <a:fontRef idx="minor">
-            <a:schemeClr val="lt1"/>
-          </a:fontRef>
-        </p:style>
-        <p:txBody>
-          <a:bodyPr wrap="square" rtlCol="0">
-            <a:noAutofit/>
-          </a:bodyPr>
-          <a:p>
-            <a:pPr algn="ctr"/>
-            <a:r>
-              <a:rPr lang="en-US"/>
-              <a:t>joeshwoa.george@gmail.com</a:t>
-            </a:r>
-            <a:endParaRPr lang="en-US"/>
-          </a:p>
-        </p:txBody>
-      </p:sp>
-      <p:sp>
-        <p:nvSpPr>
-          <p:cNvPr id="6" name="Rounded Rectangle 5"/>
-          <p:cNvSpPr/>
-          <p:nvPr/>
-        </p:nvSpPr>
-        <p:spPr>
-          <a:xfrm>
-            <a:off x="2372995" y="4008120"/>
-            <a:ext cx="6908800" cy="1435735"/>
-          </a:xfrm>
-          <a:prstGeom prst="roundRect">
-            <a:avLst/>
-          </a:prstGeom>
-          <a:solidFill>
-            <a:schemeClr val="bg2"/>
-          </a:solidFill>
-          <a:ln>
-            <a:solidFill>
-              <a:schemeClr val="bg2"/>
-            </a:solidFill>
-          </a:ln>
-        </p:spPr>
-        <p:style>
-          <a:lnRef idx="2">
-            <a:schemeClr val="accent1">
-              <a:lumMod val="75000"/>
-            </a:schemeClr>
-          </a:lnRef>
-          <a:fillRef idx="1">
-            <a:schemeClr val="accent1"/>
-          </a:fillRef>
-          <a:effectRef idx="0">
-            <a:srgbClr val="FFFFFF"/>
-          </a:effectRef>
-          <a:fontRef idx="minor">
-            <a:schemeClr val="lt1"/>
-          </a:fontRef>
-        </p:style>
-        <p:txBody>
-          <a:bodyPr rtlCol="0" anchor="ctr"/>
-          <a:p>
-            <a:pPr algn="l"/>
-            <a:r>
-              <a:rPr lang="en-US"/>
-              <a:t>const { data, error } = await supabase.auth.signInWithOAuth({</a:t>
-            </a:r>
-            <a:endParaRPr lang="en-US"/>
-          </a:p>
-          <a:p>
-            <a:pPr algn="l"/>
-            <a:r>
-              <a:rPr lang="en-US"/>
-              <a:t>  provider: 'google',</a:t>
-            </a:r>
-            <a:endParaRPr lang="en-US"/>
-          </a:p>
-          <a:p>
-            <a:pPr algn="l"/>
-            <a:r>
-              <a:rPr lang="en-US"/>
-              <a:t>});</a:t>
-            </a:r>
-            <a:endParaRPr lang="en-US"/>
-          </a:p>
-        </p:txBody>
-      </p:sp>
-    </p:spTree>
-  </p:cSld>
-  <p:clrMapOvr>
-    <a:masterClrMapping/>
-  </p:clrMapOvr>
-</p:sld>
-</file>
-
-<file path=ppt/slides/slide25.xml><?xml version="1.0" encoding="utf-8"?>
-<p:sld xmlns:a="http://schemas.openxmlformats.org/drawingml/2006/main" xmlns:r="http://schemas.openxmlformats.org/officeDocument/2006/relationships" xmlns:p="http://schemas.openxmlformats.org/presentationml/2006/main">
-  <p:cSld>
-    <p:spTree>
-      <p:nvGrpSpPr>
-        <p:cNvPr id="1" name=""/>
-        <p:cNvGrpSpPr/>
-        <p:nvPr/>
-      </p:nvGrpSpPr>
-      <p:grpSpPr/>
-      <p:sp>
-        <p:nvSpPr>
-          <p:cNvPr id="136" name="Google Shape;136;p19"/>
-          <p:cNvSpPr/>
-          <p:nvPr>
-            <p:custDataLst>
-              <p:tags r:id="rId1"/>
-            </p:custDataLst>
-          </p:nvPr>
-        </p:nvSpPr>
-        <p:spPr>
-          <a:xfrm>
-            <a:off x="1110585" y="1307323"/>
-            <a:ext cx="1262400" cy="1262400"/>
-          </a:xfrm>
-          <a:prstGeom prst="ellipse">
-            <a:avLst/>
-          </a:prstGeom>
-          <a:gradFill>
-            <a:gsLst>
-              <a:gs pos="0">
-                <a:srgbClr val="30C088"/>
-              </a:gs>
-              <a:gs pos="52999">
-                <a:srgbClr val="3FCF99"/>
-              </a:gs>
-              <a:gs pos="100000">
-                <a:srgbClr val="FFFFFF">
-                  <a:alpha val="1960"/>
-                </a:srgbClr>
-              </a:gs>
-            </a:gsLst>
-            <a:path path="circle">
-              <a:fillToRect l="50000" t="50000" r="50000" b="50000"/>
-            </a:path>
-            <a:tileRect/>
-          </a:gradFill>
-          <a:ln>
-            <a:noFill/>
-          </a:ln>
-        </p:spPr>
-        <p:txBody>
-          <a:bodyPr spcFirstLastPara="1" wrap="square" lIns="91425" tIns="91425" rIns="91425" bIns="91425" anchor="ctr" anchorCtr="0">
-            <a:noAutofit/>
-          </a:bodyPr>
-          <a:p>
-            <a:pPr marL="0" marR="0" lvl="0" indent="0" algn="ctr" rtl="0">
-              <a:lnSpc>
-                <a:spcPct val="100000"/>
-              </a:lnSpc>
-              <a:spcBef>
-                <a:spcPts val="0"/>
-              </a:spcBef>
-              <a:spcAft>
-                <a:spcPts val="0"/>
-              </a:spcAft>
-              <a:buNone/>
-            </a:pPr>
-            <a:endParaRPr>
-              <a:latin typeface="Antic Slab"/>
-              <a:ea typeface="Antic Slab"/>
-              <a:cs typeface="Antic Slab"/>
-              <a:sym typeface="Antic Slab"/>
-            </a:endParaRPr>
-          </a:p>
-        </p:txBody>
-      </p:sp>
-      <p:sp>
-        <p:nvSpPr>
-          <p:cNvPr id="2" name="Title 1"/>
-          <p:cNvSpPr/>
-          <p:nvPr>
-            <p:ph type="title"/>
-          </p:nvPr>
-        </p:nvSpPr>
-        <p:spPr/>
-        <p:txBody>
-          <a:bodyPr/>
-          <a:p>
-            <a:r>
-              <a:rPr lang="en-US">
-                <a:sym typeface="+mn-ea"/>
-              </a:rPr>
-              <a:t>Setting Up Social Providers in Supabase</a:t>
-            </a:r>
-            <a:endParaRPr lang="en-US"/>
-          </a:p>
-        </p:txBody>
-      </p:sp>
-      <p:sp>
-        <p:nvSpPr>
-          <p:cNvPr id="3" name="Text Placeholder 2"/>
-          <p:cNvSpPr/>
-          <p:nvPr>
-            <p:ph type="body" idx="1"/>
-          </p:nvPr>
-        </p:nvSpPr>
-        <p:spPr>
-          <a:xfrm>
-            <a:off x="1401445" y="2789555"/>
-            <a:ext cx="8284210" cy="3265805"/>
-          </a:xfrm>
-        </p:spPr>
-        <p:txBody>
-          <a:bodyPr/>
-          <a:p>
-            <a:pPr>
-              <a:lnSpc>
-                <a:spcPct val="150000"/>
-              </a:lnSpc>
-            </a:pPr>
-            <a:r>
-              <a:rPr lang="en-US"/>
-              <a:t>Using Supabase SDK for Social Logins</a:t>
-            </a:r>
-            <a:endParaRPr lang="en-US"/>
-          </a:p>
-          <a:p>
-            <a:pPr lvl="1">
-              <a:lnSpc>
-                <a:spcPct val="150000"/>
-              </a:lnSpc>
-            </a:pPr>
-            <a:r>
-              <a:rPr lang="en-US"/>
-              <a:t>Example: Logging in via GitHub:</a:t>
-            </a:r>
-            <a:endParaRPr lang="en-US"/>
-          </a:p>
-        </p:txBody>
-      </p:sp>
-      <p:sp>
-        <p:nvSpPr>
-          <p:cNvPr id="5" name="Text Box 4"/>
-          <p:cNvSpPr txBox="1"/>
-          <p:nvPr>
-            <p:custDataLst>
-              <p:tags r:id="rId2"/>
-            </p:custDataLst>
-          </p:nvPr>
-        </p:nvSpPr>
-        <p:spPr>
-          <a:xfrm rot="5400000">
-            <a:off x="-1236345" y="5244465"/>
-            <a:ext cx="2849880" cy="377190"/>
-          </a:xfrm>
-          <a:prstGeom prst="rect">
-            <a:avLst/>
-          </a:prstGeom>
-        </p:spPr>
-        <p:style>
-          <a:lnRef idx="2">
-            <a:schemeClr val="lt1"/>
-          </a:lnRef>
-          <a:fillRef idx="1">
-            <a:prstClr val="black"/>
-          </a:fillRef>
-          <a:effectRef idx="1">
-            <a:prstClr val="black"/>
-          </a:effectRef>
-          <a:fontRef idx="minor">
-            <a:schemeClr val="lt1"/>
-          </a:fontRef>
-        </p:style>
-        <p:txBody>
-          <a:bodyPr wrap="square" rtlCol="0">
-            <a:noAutofit/>
-          </a:bodyPr>
-          <a:p>
-            <a:pPr algn="ctr"/>
-            <a:r>
-              <a:rPr lang="en-US"/>
-              <a:t>joeshwoa.george@gmail.com</a:t>
-            </a:r>
-            <a:endParaRPr lang="en-US"/>
-          </a:p>
-        </p:txBody>
-      </p:sp>
-      <p:sp>
-        <p:nvSpPr>
-          <p:cNvPr id="6" name="Rounded Rectangle 5"/>
-          <p:cNvSpPr/>
-          <p:nvPr/>
-        </p:nvSpPr>
-        <p:spPr>
-          <a:xfrm>
-            <a:off x="2372995" y="4008120"/>
-            <a:ext cx="6908800" cy="1435735"/>
-          </a:xfrm>
-          <a:prstGeom prst="roundRect">
-            <a:avLst/>
-          </a:prstGeom>
-          <a:solidFill>
-            <a:schemeClr val="bg2"/>
-          </a:solidFill>
-          <a:ln>
-            <a:solidFill>
-              <a:schemeClr val="bg2"/>
-            </a:solidFill>
-          </a:ln>
-        </p:spPr>
-        <p:style>
-          <a:lnRef idx="2">
-            <a:schemeClr val="accent1">
-              <a:lumMod val="75000"/>
-            </a:schemeClr>
-          </a:lnRef>
-          <a:fillRef idx="1">
-            <a:schemeClr val="accent1"/>
-          </a:fillRef>
-          <a:effectRef idx="0">
-            <a:srgbClr val="FFFFFF"/>
-          </a:effectRef>
-          <a:fontRef idx="minor">
-            <a:schemeClr val="lt1"/>
-          </a:fontRef>
-        </p:style>
-        <p:txBody>
-          <a:bodyPr rtlCol="0" anchor="ctr"/>
-          <a:p>
-            <a:pPr algn="l"/>
-            <a:r>
-              <a:rPr lang="en-US"/>
-              <a:t>const { data, error } = await supabase.auth.signInWithOAuth({</a:t>
-            </a:r>
-            <a:endParaRPr lang="en-US"/>
-          </a:p>
-          <a:p>
-            <a:pPr algn="l"/>
-            <a:r>
-              <a:rPr lang="en-US"/>
-              <a:t>  provider: 'github',</a:t>
-            </a:r>
-            <a:endParaRPr lang="en-US"/>
-          </a:p>
-          <a:p>
-            <a:pPr algn="l"/>
-            <a:r>
-              <a:rPr lang="en-US"/>
-              <a:t>});</a:t>
-            </a:r>
-            <a:endParaRPr lang="en-US"/>
-          </a:p>
-        </p:txBody>
-      </p:sp>
-    </p:spTree>
-  </p:cSld>
-  <p:clrMapOvr>
-    <a:masterClrMapping/>
-  </p:clrMapOvr>
-</p:sld>
-</file>
-
-<file path=ppt/slides/slide26.xml><?xml version="1.0" encoding="utf-8"?>
-<p:sld xmlns:a="http://schemas.openxmlformats.org/drawingml/2006/main" xmlns:r="http://schemas.openxmlformats.org/officeDocument/2006/relationships" xmlns:p="http://schemas.openxmlformats.org/presentationml/2006/main">
-  <p:cSld>
-    <p:spTree>
-      <p:nvGrpSpPr>
-        <p:cNvPr id="1" name=""/>
-        <p:cNvGrpSpPr/>
-        <p:nvPr/>
-      </p:nvGrpSpPr>
-      <p:grpSpPr/>
-      <p:sp>
-        <p:nvSpPr>
-          <p:cNvPr id="136" name="Google Shape;136;p19"/>
-          <p:cNvSpPr/>
-          <p:nvPr>
-            <p:custDataLst>
-              <p:tags r:id="rId1"/>
-            </p:custDataLst>
-          </p:nvPr>
-        </p:nvSpPr>
-        <p:spPr>
-          <a:xfrm>
-            <a:off x="1110585" y="1307323"/>
-            <a:ext cx="1262400" cy="1262400"/>
-          </a:xfrm>
-          <a:prstGeom prst="ellipse">
-            <a:avLst/>
-          </a:prstGeom>
-          <a:gradFill>
-            <a:gsLst>
-              <a:gs pos="0">
-                <a:srgbClr val="30C088"/>
-              </a:gs>
-              <a:gs pos="52999">
-                <a:srgbClr val="3FCF99"/>
-              </a:gs>
-              <a:gs pos="100000">
-                <a:srgbClr val="FFFFFF">
-                  <a:alpha val="1960"/>
-                </a:srgbClr>
-              </a:gs>
-            </a:gsLst>
-            <a:path path="circle">
-              <a:fillToRect l="50000" t="50000" r="50000" b="50000"/>
-            </a:path>
-            <a:tileRect/>
-          </a:gradFill>
-          <a:ln>
-            <a:noFill/>
-          </a:ln>
-        </p:spPr>
-        <p:txBody>
-          <a:bodyPr spcFirstLastPara="1" wrap="square" lIns="91425" tIns="91425" rIns="91425" bIns="91425" anchor="ctr" anchorCtr="0">
-            <a:noAutofit/>
-          </a:bodyPr>
-          <a:p>
-            <a:pPr marL="0" marR="0" lvl="0" indent="0" algn="ctr" rtl="0">
-              <a:lnSpc>
-                <a:spcPct val="100000"/>
-              </a:lnSpc>
-              <a:spcBef>
-                <a:spcPts val="0"/>
-              </a:spcBef>
-              <a:spcAft>
-                <a:spcPts val="0"/>
-              </a:spcAft>
-              <a:buNone/>
-            </a:pPr>
-            <a:endParaRPr>
-              <a:latin typeface="Antic Slab"/>
-              <a:ea typeface="Antic Slab"/>
-              <a:cs typeface="Antic Slab"/>
-              <a:sym typeface="Antic Slab"/>
-            </a:endParaRPr>
-          </a:p>
-        </p:txBody>
-      </p:sp>
-      <p:sp>
-        <p:nvSpPr>
-          <p:cNvPr id="2" name="Title 1"/>
-          <p:cNvSpPr/>
-          <p:nvPr>
-            <p:ph type="title"/>
-          </p:nvPr>
-        </p:nvSpPr>
-        <p:spPr/>
-        <p:txBody>
-          <a:bodyPr/>
-          <a:p>
-            <a:r>
-              <a:rPr lang="en-US">
-                <a:sym typeface="+mn-ea"/>
-              </a:rPr>
-              <a:t>Setting Up Social Providers in Supabase</a:t>
-            </a:r>
-            <a:endParaRPr lang="en-US"/>
-          </a:p>
-        </p:txBody>
-      </p:sp>
-      <p:sp>
-        <p:nvSpPr>
-          <p:cNvPr id="3" name="Text Placeholder 2"/>
-          <p:cNvSpPr/>
-          <p:nvPr>
-            <p:ph type="body" idx="1"/>
-          </p:nvPr>
-        </p:nvSpPr>
-        <p:spPr>
-          <a:xfrm>
-            <a:off x="1401445" y="2789555"/>
-            <a:ext cx="8284210" cy="3265805"/>
-          </a:xfrm>
-        </p:spPr>
-        <p:txBody>
-          <a:bodyPr/>
-          <a:p>
-            <a:pPr>
-              <a:lnSpc>
-                <a:spcPct val="150000"/>
-              </a:lnSpc>
-            </a:pPr>
-            <a:r>
-              <a:rPr lang="en-US"/>
-              <a:t>Handling OAuth Responses:</a:t>
-            </a:r>
-            <a:endParaRPr lang="en-US"/>
-          </a:p>
-          <a:p>
-            <a:pPr lvl="1">
-              <a:lnSpc>
-                <a:spcPct val="150000"/>
-              </a:lnSpc>
-            </a:pPr>
-            <a:r>
-              <a:rPr lang="en-US"/>
-              <a:t>After a successful login, Supabase redirects the user back to your application and provides an authentication token (JWT).</a:t>
-            </a:r>
-            <a:endParaRPr lang="en-US"/>
-          </a:p>
-          <a:p>
-            <a:pPr lvl="1">
-              <a:lnSpc>
-                <a:spcPct val="150000"/>
-              </a:lnSpc>
-            </a:pPr>
-            <a:r>
-              <a:rPr lang="en-US"/>
-              <a:t>You can store this token and use it to authenticate API requests and manage user sessions.</a:t>
-            </a:r>
-            <a:endParaRPr lang="en-US"/>
-          </a:p>
-          <a:p>
-            <a:pPr lvl="1">
-              <a:lnSpc>
-                <a:spcPct val="150000"/>
-              </a:lnSpc>
-            </a:pPr>
-            <a:endParaRPr lang="en-US"/>
-          </a:p>
-        </p:txBody>
-      </p:sp>
-      <p:sp>
-        <p:nvSpPr>
-          <p:cNvPr id="5" name="Text Box 4"/>
-          <p:cNvSpPr txBox="1"/>
-          <p:nvPr>
-            <p:custDataLst>
-              <p:tags r:id="rId2"/>
-            </p:custDataLst>
-          </p:nvPr>
-        </p:nvSpPr>
-        <p:spPr>
-          <a:xfrm rot="5400000">
-            <a:off x="-1236345" y="5244465"/>
-            <a:ext cx="2849880" cy="377190"/>
-          </a:xfrm>
-          <a:prstGeom prst="rect">
-            <a:avLst/>
-          </a:prstGeom>
-        </p:spPr>
-        <p:style>
-          <a:lnRef idx="2">
-            <a:schemeClr val="lt1"/>
-          </a:lnRef>
-          <a:fillRef idx="1">
-            <a:prstClr val="black"/>
-          </a:fillRef>
-          <a:effectRef idx="1">
-            <a:prstClr val="black"/>
-          </a:effectRef>
-          <a:fontRef idx="minor">
-            <a:schemeClr val="lt1"/>
-          </a:fontRef>
-        </p:style>
-        <p:txBody>
-          <a:bodyPr wrap="square" rtlCol="0">
-            <a:noAutofit/>
-          </a:bodyPr>
-          <a:p>
-            <a:pPr algn="ctr"/>
-            <a:r>
-              <a:rPr lang="en-US"/>
-              <a:t>joeshwoa.george@gmail.com</a:t>
-            </a:r>
-            <a:endParaRPr lang="en-US"/>
-          </a:p>
-        </p:txBody>
-      </p:sp>
-    </p:spTree>
-  </p:cSld>
-  <p:clrMapOvr>
-    <a:masterClrMapping/>
-  </p:clrMapOvr>
-</p:sld>
-</file>
-
-<file path=ppt/slides/slide27.xml><?xml version="1.0" encoding="utf-8"?>
-<p:sld xmlns:a="http://schemas.openxmlformats.org/drawingml/2006/main" xmlns:r="http://schemas.openxmlformats.org/officeDocument/2006/relationships" xmlns:p="http://schemas.openxmlformats.org/presentationml/2006/main">
-  <p:cSld>
-    <p:spTree>
-      <p:nvGrpSpPr>
-        <p:cNvPr id="1" name=""/>
-        <p:cNvGrpSpPr/>
-        <p:nvPr/>
-      </p:nvGrpSpPr>
-      <p:grpSpPr/>
-      <p:sp>
-        <p:nvSpPr>
-          <p:cNvPr id="136" name="Google Shape;136;p19"/>
-          <p:cNvSpPr/>
-          <p:nvPr>
-            <p:custDataLst>
-              <p:tags r:id="rId1"/>
-            </p:custDataLst>
-          </p:nvPr>
-        </p:nvSpPr>
-        <p:spPr>
-          <a:xfrm>
-            <a:off x="1110585" y="1307323"/>
-            <a:ext cx="1262400" cy="1262400"/>
-          </a:xfrm>
-          <a:prstGeom prst="ellipse">
-            <a:avLst/>
-          </a:prstGeom>
-          <a:gradFill>
-            <a:gsLst>
-              <a:gs pos="0">
-                <a:srgbClr val="30C088"/>
-              </a:gs>
-              <a:gs pos="52999">
-                <a:srgbClr val="3FCF99"/>
-              </a:gs>
-              <a:gs pos="100000">
-                <a:srgbClr val="FFFFFF">
-                  <a:alpha val="1960"/>
-                </a:srgbClr>
-              </a:gs>
-            </a:gsLst>
-            <a:path path="circle">
-              <a:fillToRect l="50000" t="50000" r="50000" b="50000"/>
-            </a:path>
-            <a:tileRect/>
-          </a:gradFill>
-          <a:ln>
-            <a:noFill/>
-          </a:ln>
-        </p:spPr>
-        <p:txBody>
-          <a:bodyPr spcFirstLastPara="1" wrap="square" lIns="91425" tIns="91425" rIns="91425" bIns="91425" anchor="ctr" anchorCtr="0">
-            <a:noAutofit/>
-          </a:bodyPr>
-          <a:p>
-            <a:pPr marL="0" marR="0" lvl="0" indent="0" algn="ctr" rtl="0">
-              <a:lnSpc>
-                <a:spcPct val="100000"/>
-              </a:lnSpc>
-              <a:spcBef>
-                <a:spcPts val="0"/>
-              </a:spcBef>
-              <a:spcAft>
-                <a:spcPts val="0"/>
-              </a:spcAft>
-              <a:buNone/>
-            </a:pPr>
-            <a:endParaRPr>
-              <a:latin typeface="Antic Slab"/>
-              <a:ea typeface="Antic Slab"/>
-              <a:cs typeface="Antic Slab"/>
-              <a:sym typeface="Antic Slab"/>
-            </a:endParaRPr>
-          </a:p>
-        </p:txBody>
-      </p:sp>
-      <p:sp>
-        <p:nvSpPr>
-          <p:cNvPr id="2" name="Title 1"/>
-          <p:cNvSpPr/>
-          <p:nvPr>
-            <p:ph type="title"/>
-          </p:nvPr>
-        </p:nvSpPr>
-        <p:spPr/>
-        <p:txBody>
-          <a:bodyPr/>
-          <a:p>
-            <a:r>
-              <a:rPr lang="en-US">
-                <a:sym typeface="+mn-ea"/>
-              </a:rPr>
-              <a:t>Setting Up Social Providers in Supabase</a:t>
-            </a:r>
-            <a:endParaRPr lang="en-US"/>
-          </a:p>
-        </p:txBody>
-      </p:sp>
-      <p:sp>
-        <p:nvSpPr>
-          <p:cNvPr id="3" name="Text Placeholder 2"/>
-          <p:cNvSpPr/>
-          <p:nvPr>
-            <p:ph type="body" idx="1"/>
-          </p:nvPr>
-        </p:nvSpPr>
-        <p:spPr>
-          <a:xfrm>
-            <a:off x="1401445" y="2789555"/>
-            <a:ext cx="8284210" cy="3265805"/>
-          </a:xfrm>
-        </p:spPr>
-        <p:txBody>
-          <a:bodyPr/>
-          <a:p>
-            <a:pPr>
-              <a:lnSpc>
-                <a:spcPct val="150000"/>
-              </a:lnSpc>
-            </a:pPr>
-            <a:r>
-              <a:rPr lang="en-US"/>
-              <a:t>Configuring Redirect URLs:</a:t>
-            </a:r>
-            <a:endParaRPr lang="en-US"/>
-          </a:p>
-          <a:p>
-            <a:pPr lvl="1">
-              <a:lnSpc>
-                <a:spcPct val="150000"/>
-              </a:lnSpc>
-            </a:pPr>
-            <a:r>
-              <a:rPr lang="en-US"/>
-              <a:t>When setting up OAuth providers, you need to specify the redirect URL in the third-party service (e.g., Google) as well as in Supabase.</a:t>
-            </a:r>
-            <a:endParaRPr lang="en-US"/>
-          </a:p>
-          <a:p>
-            <a:pPr lvl="1">
-              <a:lnSpc>
-                <a:spcPct val="150000"/>
-              </a:lnSpc>
-            </a:pPr>
-            <a:r>
-              <a:rPr lang="en-US"/>
-              <a:t>The redirect URL is the location to which users are sent after successful authentication.</a:t>
-            </a:r>
-            <a:endParaRPr lang="en-US"/>
-          </a:p>
-        </p:txBody>
-      </p:sp>
-      <p:sp>
-        <p:nvSpPr>
-          <p:cNvPr id="5" name="Text Box 4"/>
-          <p:cNvSpPr txBox="1"/>
-          <p:nvPr>
-            <p:custDataLst>
-              <p:tags r:id="rId2"/>
-            </p:custDataLst>
-          </p:nvPr>
-        </p:nvSpPr>
-        <p:spPr>
-          <a:xfrm rot="5400000">
-            <a:off x="-1236345" y="5244465"/>
-            <a:ext cx="2849880" cy="377190"/>
-          </a:xfrm>
-          <a:prstGeom prst="rect">
-            <a:avLst/>
-          </a:prstGeom>
-        </p:spPr>
-        <p:style>
-          <a:lnRef idx="2">
-            <a:schemeClr val="lt1"/>
-          </a:lnRef>
-          <a:fillRef idx="1">
-            <a:prstClr val="black"/>
-          </a:fillRef>
-          <a:effectRef idx="1">
-            <a:prstClr val="black"/>
-          </a:effectRef>
-          <a:fontRef idx="minor">
-            <a:schemeClr val="lt1"/>
-          </a:fontRef>
-        </p:style>
-        <p:txBody>
-          <a:bodyPr wrap="square" rtlCol="0">
-            <a:noAutofit/>
-          </a:bodyPr>
-          <a:p>
-            <a:pPr algn="ctr"/>
-            <a:r>
-              <a:rPr lang="en-US"/>
-              <a:t>joeshwoa.george@gmail.com</a:t>
-            </a:r>
-            <a:endParaRPr lang="en-US"/>
-          </a:p>
-        </p:txBody>
-      </p:sp>
-    </p:spTree>
-  </p:cSld>
-  <p:clrMapOvr>
-    <a:masterClrMapping/>
-  </p:clrMapOvr>
-</p:sld>
-</file>
-
-<file path=ppt/slides/slide28.xml><?xml version="1.0" encoding="utf-8"?>
-<p:sld xmlns:a="http://schemas.openxmlformats.org/drawingml/2006/main" xmlns:r="http://schemas.openxmlformats.org/officeDocument/2006/relationships" xmlns:p="http://schemas.openxmlformats.org/presentationml/2006/main">
-  <p:cSld>
-    <p:spTree>
-      <p:nvGrpSpPr>
         <p:cNvPr id="160" name="Shape 160"/>
         <p:cNvGrpSpPr/>
         <p:nvPr/>
@@ -21926,7 +20755,7 @@
 </p:sld>
 </file>
 
-<file path=ppt/slides/slide29.xml><?xml version="1.0" encoding="utf-8"?>
+<file path=ppt/slides/slide24.xml><?xml version="1.0" encoding="utf-8"?>
 <p:sld xmlns:a="http://schemas.openxmlformats.org/drawingml/2006/main" xmlns:r="http://schemas.openxmlformats.org/officeDocument/2006/relationships" xmlns:p="http://schemas.openxmlformats.org/presentationml/2006/main">
   <p:cSld>
     <p:spTree>
@@ -22081,7 +20910,7 @@
             </a:pPr>
             <a:r>
               <a:rPr lang="en-US">
-                <a:hlinkClick r:id="rId3" tooltip="" action="ppaction://hlinkfile"/>
+                <a:hlinkClick r:id="rId3" action="ppaction://hlinkfile"/>
               </a:rPr>
               <a:t>w3schools sql</a:t>
             </a:r>
@@ -22144,12 +20973,460 @@
 </p:sld>
 </file>
 
-<file path=ppt/slides/slide3.xml><?xml version="1.0" encoding="utf-8"?>
+<file path=ppt/slides/slide25.xml><?xml version="1.0" encoding="utf-8"?>
 <p:sld xmlns:a="http://schemas.openxmlformats.org/drawingml/2006/main" xmlns:r="http://schemas.openxmlformats.org/officeDocument/2006/relationships" xmlns:p="http://schemas.openxmlformats.org/presentationml/2006/main">
   <p:cSld>
     <p:spTree>
       <p:nvGrpSpPr>
-        <p:cNvPr id="272" name="Shape 272"/>
+        <p:cNvPr id="1" name=""/>
+        <p:cNvGrpSpPr/>
+        <p:nvPr/>
+      </p:nvGrpSpPr>
+      <p:grpSpPr/>
+      <p:sp>
+        <p:nvSpPr>
+          <p:cNvPr id="136" name="Google Shape;136;p19"/>
+          <p:cNvSpPr/>
+          <p:nvPr>
+            <p:custDataLst>
+              <p:tags r:id="rId1"/>
+            </p:custDataLst>
+          </p:nvPr>
+        </p:nvSpPr>
+        <p:spPr>
+          <a:xfrm>
+            <a:off x="1110585" y="1307323"/>
+            <a:ext cx="1262400" cy="1262400"/>
+          </a:xfrm>
+          <a:prstGeom prst="ellipse">
+            <a:avLst/>
+          </a:prstGeom>
+          <a:gradFill>
+            <a:gsLst>
+              <a:gs pos="0">
+                <a:srgbClr val="30C088"/>
+              </a:gs>
+              <a:gs pos="52999">
+                <a:srgbClr val="3FCF99"/>
+              </a:gs>
+              <a:gs pos="100000">
+                <a:srgbClr val="FFFFFF">
+                  <a:alpha val="1960"/>
+                </a:srgbClr>
+              </a:gs>
+            </a:gsLst>
+            <a:path path="circle">
+              <a:fillToRect l="50000" t="50000" r="50000" b="50000"/>
+            </a:path>
+            <a:tileRect/>
+          </a:gradFill>
+          <a:ln>
+            <a:noFill/>
+          </a:ln>
+        </p:spPr>
+        <p:txBody>
+          <a:bodyPr spcFirstLastPara="1" wrap="square" lIns="91425" tIns="91425" rIns="91425" bIns="91425" anchor="ctr" anchorCtr="0">
+            <a:noAutofit/>
+          </a:bodyPr>
+          <a:p>
+            <a:pPr marL="0" marR="0" lvl="0" indent="0" algn="ctr" rtl="0">
+              <a:lnSpc>
+                <a:spcPct val="100000"/>
+              </a:lnSpc>
+              <a:spcBef>
+                <a:spcPts val="0"/>
+              </a:spcBef>
+              <a:spcAft>
+                <a:spcPts val="0"/>
+              </a:spcAft>
+              <a:buNone/>
+            </a:pPr>
+            <a:endParaRPr>
+              <a:latin typeface="Antic Slab"/>
+              <a:ea typeface="Antic Slab"/>
+              <a:cs typeface="Antic Slab"/>
+              <a:sym typeface="Antic Slab"/>
+            </a:endParaRPr>
+          </a:p>
+        </p:txBody>
+      </p:sp>
+      <p:sp>
+        <p:nvSpPr>
+          <p:cNvPr id="2" name="Title 1"/>
+          <p:cNvSpPr/>
+          <p:nvPr>
+            <p:ph type="title"/>
+          </p:nvPr>
+        </p:nvSpPr>
+        <p:spPr/>
+        <p:txBody>
+          <a:bodyPr/>
+          <a:p>
+            <a:r>
+              <a:rPr lang="en-US">
+                <a:sym typeface="+mn-ea"/>
+              </a:rPr>
+              <a:t>Homework</a:t>
+            </a:r>
+            <a:endParaRPr lang="en-US"/>
+          </a:p>
+        </p:txBody>
+      </p:sp>
+      <p:sp>
+        <p:nvSpPr>
+          <p:cNvPr id="3" name="Text Placeholder 2"/>
+          <p:cNvSpPr/>
+          <p:nvPr>
+            <p:ph type="body" idx="1"/>
+          </p:nvPr>
+        </p:nvSpPr>
+        <p:spPr>
+          <a:xfrm>
+            <a:off x="1401445" y="2789555"/>
+            <a:ext cx="8284210" cy="3265805"/>
+          </a:xfrm>
+        </p:spPr>
+        <p:txBody>
+          <a:bodyPr/>
+          <a:p>
+            <a:pPr>
+              <a:lnSpc>
+                <a:spcPct val="150000"/>
+              </a:lnSpc>
+            </a:pPr>
+            <a:r>
+              <a:rPr lang="en-US"/>
+              <a:t>Create a roles system for your app by adding a role column to the profiles table.</a:t>
+            </a:r>
+            <a:endParaRPr lang="en-US"/>
+          </a:p>
+          <a:p>
+            <a:pPr>
+              <a:lnSpc>
+                <a:spcPct val="150000"/>
+              </a:lnSpc>
+            </a:pPr>
+            <a:r>
+              <a:rPr lang="en-US"/>
+              <a:t>Create different levels of access (e.g., only admins can view all profiles, while users can only view their own)</a:t>
+            </a:r>
+            <a:endParaRPr lang="en-US"/>
+          </a:p>
+          <a:p>
+            <a:pPr>
+              <a:lnSpc>
+                <a:spcPct val="150000"/>
+              </a:lnSpc>
+            </a:pPr>
+            <a:r>
+              <a:rPr lang="en-US"/>
+              <a:t>Create signup and login pages using </a:t>
+            </a:r>
+            <a:r>
+              <a:rPr lang="en-US">
+                <a:solidFill>
+                  <a:srgbClr val="FF0000"/>
+                </a:solidFill>
+              </a:rPr>
+              <a:t>ANY FRONTEND FRAMEWORK</a:t>
+            </a:r>
+            <a:r>
+              <a:rPr lang="en-US"/>
+              <a:t>.</a:t>
+            </a:r>
+            <a:endParaRPr lang="en-US"/>
+          </a:p>
+          <a:p>
+            <a:pPr>
+              <a:lnSpc>
+                <a:spcPct val="150000"/>
+              </a:lnSpc>
+            </a:pPr>
+            <a:r>
+              <a:rPr lang="en-US"/>
+              <a:t>Use Supabase SDK to handle authentication.</a:t>
+            </a:r>
+            <a:endParaRPr lang="en-US"/>
+          </a:p>
+          <a:p>
+            <a:pPr>
+              <a:lnSpc>
+                <a:spcPct val="150000"/>
+              </a:lnSpc>
+            </a:pPr>
+            <a:endParaRPr lang="en-US"/>
+          </a:p>
+        </p:txBody>
+      </p:sp>
+      <p:sp>
+        <p:nvSpPr>
+          <p:cNvPr id="5" name="Text Box 4"/>
+          <p:cNvSpPr txBox="1"/>
+          <p:nvPr>
+            <p:custDataLst>
+              <p:tags r:id="rId2"/>
+            </p:custDataLst>
+          </p:nvPr>
+        </p:nvSpPr>
+        <p:spPr>
+          <a:xfrm rot="5400000">
+            <a:off x="-1236345" y="5244465"/>
+            <a:ext cx="2849880" cy="377190"/>
+          </a:xfrm>
+          <a:prstGeom prst="rect">
+            <a:avLst/>
+          </a:prstGeom>
+        </p:spPr>
+        <p:style>
+          <a:lnRef idx="2">
+            <a:schemeClr val="lt1"/>
+          </a:lnRef>
+          <a:fillRef idx="1">
+            <a:prstClr val="black"/>
+          </a:fillRef>
+          <a:effectRef idx="1">
+            <a:prstClr val="black"/>
+          </a:effectRef>
+          <a:fontRef idx="minor">
+            <a:schemeClr val="lt1"/>
+          </a:fontRef>
+        </p:style>
+        <p:txBody>
+          <a:bodyPr wrap="square" rtlCol="0">
+            <a:noAutofit/>
+          </a:bodyPr>
+          <a:p>
+            <a:pPr algn="ctr"/>
+            <a:r>
+              <a:rPr lang="en-US"/>
+              <a:t>joeshwoa.george@gmail.com</a:t>
+            </a:r>
+            <a:endParaRPr lang="en-US"/>
+          </a:p>
+        </p:txBody>
+      </p:sp>
+    </p:spTree>
+  </p:cSld>
+  <p:clrMapOvr>
+    <a:masterClrMapping/>
+  </p:clrMapOvr>
+</p:sld>
+</file>
+
+<file path=ppt/slides/slide26.xml><?xml version="1.0" encoding="utf-8"?>
+<p:sld xmlns:a="http://schemas.openxmlformats.org/drawingml/2006/main" xmlns:r="http://schemas.openxmlformats.org/officeDocument/2006/relationships" xmlns:p="http://schemas.openxmlformats.org/presentationml/2006/main">
+  <p:cSld>
+    <p:spTree>
+      <p:nvGrpSpPr>
+        <p:cNvPr id="1" name=""/>
+        <p:cNvGrpSpPr/>
+        <p:nvPr/>
+      </p:nvGrpSpPr>
+      <p:grpSpPr/>
+      <p:sp>
+        <p:nvSpPr>
+          <p:cNvPr id="136" name="Google Shape;136;p19"/>
+          <p:cNvSpPr/>
+          <p:nvPr>
+            <p:custDataLst>
+              <p:tags r:id="rId1"/>
+            </p:custDataLst>
+          </p:nvPr>
+        </p:nvSpPr>
+        <p:spPr>
+          <a:xfrm>
+            <a:off x="1110585" y="1307323"/>
+            <a:ext cx="1262400" cy="1262400"/>
+          </a:xfrm>
+          <a:prstGeom prst="ellipse">
+            <a:avLst/>
+          </a:prstGeom>
+          <a:gradFill>
+            <a:gsLst>
+              <a:gs pos="0">
+                <a:srgbClr val="30C088"/>
+              </a:gs>
+              <a:gs pos="52999">
+                <a:srgbClr val="3FCF99"/>
+              </a:gs>
+              <a:gs pos="100000">
+                <a:srgbClr val="FFFFFF">
+                  <a:alpha val="1960"/>
+                </a:srgbClr>
+              </a:gs>
+            </a:gsLst>
+            <a:path path="circle">
+              <a:fillToRect l="50000" t="50000" r="50000" b="50000"/>
+            </a:path>
+            <a:tileRect/>
+          </a:gradFill>
+          <a:ln>
+            <a:noFill/>
+          </a:ln>
+        </p:spPr>
+        <p:txBody>
+          <a:bodyPr spcFirstLastPara="1" wrap="square" lIns="91425" tIns="91425" rIns="91425" bIns="91425" anchor="ctr" anchorCtr="0">
+            <a:noAutofit/>
+          </a:bodyPr>
+          <a:p>
+            <a:pPr marL="0" marR="0" lvl="0" indent="0" algn="ctr" rtl="0">
+              <a:lnSpc>
+                <a:spcPct val="100000"/>
+              </a:lnSpc>
+              <a:spcBef>
+                <a:spcPts val="0"/>
+              </a:spcBef>
+              <a:spcAft>
+                <a:spcPts val="0"/>
+              </a:spcAft>
+              <a:buNone/>
+            </a:pPr>
+            <a:endParaRPr>
+              <a:latin typeface="Antic Slab"/>
+              <a:ea typeface="Antic Slab"/>
+              <a:cs typeface="Antic Slab"/>
+              <a:sym typeface="Antic Slab"/>
+            </a:endParaRPr>
+          </a:p>
+        </p:txBody>
+      </p:sp>
+      <p:sp>
+        <p:nvSpPr>
+          <p:cNvPr id="2" name="Title 1"/>
+          <p:cNvSpPr/>
+          <p:nvPr>
+            <p:ph type="title"/>
+          </p:nvPr>
+        </p:nvSpPr>
+        <p:spPr/>
+        <p:txBody>
+          <a:bodyPr/>
+          <a:p>
+            <a:r>
+              <a:rPr lang="en-US">
+                <a:sym typeface="+mn-ea"/>
+              </a:rPr>
+              <a:t>Homework</a:t>
+            </a:r>
+            <a:endParaRPr lang="en-US"/>
+          </a:p>
+        </p:txBody>
+      </p:sp>
+      <p:sp>
+        <p:nvSpPr>
+          <p:cNvPr id="3" name="Text Placeholder 2"/>
+          <p:cNvSpPr/>
+          <p:nvPr>
+            <p:ph type="body" idx="1"/>
+          </p:nvPr>
+        </p:nvSpPr>
+        <p:spPr>
+          <a:xfrm>
+            <a:off x="1401445" y="2789555"/>
+            <a:ext cx="8284210" cy="3265805"/>
+          </a:xfrm>
+        </p:spPr>
+        <p:txBody>
+          <a:bodyPr/>
+          <a:p>
+            <a:pPr>
+              <a:lnSpc>
+                <a:spcPct val="150000"/>
+              </a:lnSpc>
+            </a:pPr>
+            <a:r>
+              <a:rPr lang="en-US"/>
+              <a:t>Create a user profile page where users can update their username and avatar.</a:t>
+            </a:r>
+            <a:endParaRPr lang="en-US"/>
+          </a:p>
+          <a:p>
+            <a:pPr>
+              <a:lnSpc>
+                <a:spcPct val="150000"/>
+              </a:lnSpc>
+            </a:pPr>
+            <a:r>
+              <a:rPr lang="en-US"/>
+              <a:t>Implement a file upload feature for profile pictures using the Supabase storage API.</a:t>
+            </a:r>
+            <a:endParaRPr lang="en-US"/>
+          </a:p>
+          <a:p>
+            <a:pPr>
+              <a:lnSpc>
+                <a:spcPct val="150000"/>
+              </a:lnSpc>
+            </a:pPr>
+            <a:r>
+              <a:rPr lang="en-US"/>
+              <a:t>Ensure the profile data is stored in the profiles table and linked to the user’s ID from Supabase Auth</a:t>
+            </a:r>
+            <a:endParaRPr lang="en-US"/>
+          </a:p>
+        </p:txBody>
+      </p:sp>
+      <p:sp>
+        <p:nvSpPr>
+          <p:cNvPr id="5" name="Text Box 4"/>
+          <p:cNvSpPr txBox="1"/>
+          <p:nvPr>
+            <p:custDataLst>
+              <p:tags r:id="rId2"/>
+            </p:custDataLst>
+          </p:nvPr>
+        </p:nvSpPr>
+        <p:spPr>
+          <a:xfrm rot="5400000">
+            <a:off x="-1236345" y="5244465"/>
+            <a:ext cx="2849880" cy="377190"/>
+          </a:xfrm>
+          <a:prstGeom prst="rect">
+            <a:avLst/>
+          </a:prstGeom>
+        </p:spPr>
+        <p:style>
+          <a:lnRef idx="2">
+            <a:schemeClr val="lt1"/>
+          </a:lnRef>
+          <a:fillRef idx="1">
+            <a:prstClr val="black"/>
+          </a:fillRef>
+          <a:effectRef idx="1">
+            <a:prstClr val="black"/>
+          </a:effectRef>
+          <a:fontRef idx="minor">
+            <a:schemeClr val="lt1"/>
+          </a:fontRef>
+        </p:style>
+        <p:txBody>
+          <a:bodyPr wrap="square" rtlCol="0">
+            <a:noAutofit/>
+          </a:bodyPr>
+          <a:p>
+            <a:pPr algn="ctr"/>
+            <a:r>
+              <a:rPr lang="en-US"/>
+              <a:t>joeshwoa.george@gmail.com</a:t>
+            </a:r>
+            <a:endParaRPr lang="en-US"/>
+          </a:p>
+        </p:txBody>
+      </p:sp>
+    </p:spTree>
+  </p:cSld>
+  <p:clrMapOvr>
+    <a:masterClrMapping/>
+  </p:clrMapOvr>
+</p:sld>
+</file>
+
+<file path=ppt/slides/slide27.xml><?xml version="1.0" encoding="utf-8"?>
+<p:sld xmlns:a="http://schemas.openxmlformats.org/drawingml/2006/main" xmlns:r="http://schemas.openxmlformats.org/officeDocument/2006/relationships" xmlns:p="http://schemas.openxmlformats.org/presentationml/2006/main">
+  <p:cSld>
+    <p:spTree>
+      <p:nvGrpSpPr>
+        <p:cNvPr id="175" name="Shape 175"/>
         <p:cNvGrpSpPr/>
         <p:nvPr/>
       </p:nvGrpSpPr>
@@ -22161,16 +21438,45 @@
           <a:chExt cx="0" cy="0"/>
         </a:xfrm>
       </p:grpSpPr>
+      <p:pic>
+        <p:nvPicPr>
+          <p:cNvPr id="176" name="Google Shape;176;p23"/>
+          <p:cNvPicPr preferRelativeResize="0"/>
+          <p:nvPr/>
+        </p:nvPicPr>
+        <p:blipFill rotWithShape="1">
+          <a:blip r:embed="rId1"/>
+          <a:srcRect l="5658" r="5658"/>
+          <a:stretch>
+            <a:fillRect/>
+          </a:stretch>
+        </p:blipFill>
+        <p:spPr>
+          <a:xfrm>
+            <a:off x="550225" y="802978"/>
+            <a:ext cx="5790000" cy="4351500"/>
+          </a:xfrm>
+          <a:prstGeom prst="roundRect">
+            <a:avLst>
+              <a:gd name="adj" fmla="val 0"/>
+            </a:avLst>
+          </a:prstGeom>
+          <a:noFill/>
+          <a:ln>
+            <a:noFill/>
+          </a:ln>
+        </p:spPr>
+      </p:pic>
       <p:sp>
         <p:nvSpPr>
-          <p:cNvPr id="273" name="Google Shape;273;p30"/>
+          <p:cNvPr id="177" name="Google Shape;177;p23"/>
           <p:cNvSpPr/>
           <p:nvPr/>
         </p:nvSpPr>
         <p:spPr>
           <a:xfrm>
-            <a:off x="757700" y="1482829"/>
-            <a:ext cx="1704300" cy="1704300"/>
+            <a:off x="6410300" y="915088"/>
+            <a:ext cx="1262400" cy="1262400"/>
           </a:xfrm>
           <a:prstGeom prst="ellipse">
             <a:avLst/>
@@ -22227,98 +21533,18 @@
       </p:sp>
       <p:sp>
         <p:nvSpPr>
-          <p:cNvPr id="274" name="Google Shape;274;p30"/>
-          <p:cNvSpPr txBox="1"/>
-          <p:nvPr>
-            <p:ph type="title"/>
-          </p:nvPr>
-        </p:nvSpPr>
-        <p:spPr>
-          <a:xfrm>
-            <a:off x="511300" y="1949725"/>
-            <a:ext cx="11142300" cy="3160800"/>
-          </a:xfrm>
-          <a:prstGeom prst="rect">
-            <a:avLst/>
-          </a:prstGeom>
-        </p:spPr>
-        <p:txBody>
-          <a:bodyPr spcFirstLastPara="1" wrap="square" lIns="121900" tIns="121900" rIns="121900" bIns="121900" anchor="ctr" anchorCtr="0">
-            <a:noAutofit/>
-          </a:bodyPr>
-          <a:lstStyle/>
-          <a:p>
-            <a:pPr marL="0" lvl="0" indent="0" algn="ctr" rtl="0">
-              <a:spcBef>
-                <a:spcPts val="0"/>
-              </a:spcBef>
-              <a:spcAft>
-                <a:spcPts val="0"/>
-              </a:spcAft>
-              <a:buNone/>
-            </a:pPr>
-            <a:r>
-              <a:rPr sz="10000"/>
-              <a:t>Any questions?</a:t>
-            </a:r>
-            <a:endParaRPr sz="10000"/>
-          </a:p>
-        </p:txBody>
-      </p:sp>
-      <p:sp>
-        <p:nvSpPr>
-          <p:cNvPr id="275" name="Google Shape;275;p30"/>
-          <p:cNvSpPr txBox="1"/>
-          <p:nvPr>
-            <p:ph type="subTitle" idx="1"/>
-          </p:nvPr>
-        </p:nvSpPr>
-        <p:spPr>
-          <a:xfrm>
-            <a:off x="202350" y="6408400"/>
-            <a:ext cx="11787300" cy="381300"/>
-          </a:xfrm>
-          <a:prstGeom prst="rect">
-            <a:avLst/>
-          </a:prstGeom>
-        </p:spPr>
-        <p:txBody>
-          <a:bodyPr spcFirstLastPara="1" wrap="square" lIns="121900" tIns="121900" rIns="121900" bIns="121900" anchor="ctr" anchorCtr="0">
-            <a:noAutofit/>
-          </a:bodyPr>
-          <a:lstStyle/>
-          <a:p>
-            <a:pPr marL="0" lvl="0" indent="0" algn="ctr" rtl="0">
-              <a:spcBef>
-                <a:spcPts val="0"/>
-              </a:spcBef>
-              <a:spcAft>
-                <a:spcPts val="0"/>
-              </a:spcAft>
-              <a:buNone/>
-            </a:pPr>
-            <a:r>
-              <a:rPr lang="en-US" altLang="en-GB" sz="1000" b="0"/>
-              <a:t>Don;t forget study this section well and write your questions in note and i will answer it in live session.</a:t>
-            </a:r>
-            <a:endParaRPr lang="en-US" altLang="en-GB" sz="1000" b="0"/>
-          </a:p>
-        </p:txBody>
-      </p:sp>
-      <p:sp>
-        <p:nvSpPr>
           <p:cNvPr id="117" name="Google Shape;117;p17"/>
           <p:cNvSpPr/>
           <p:nvPr>
             <p:custDataLst>
-              <p:tags r:id="rId1"/>
+              <p:tags r:id="rId2"/>
             </p:custDataLst>
           </p:nvPr>
         </p:nvSpPr>
         <p:spPr>
           <a:xfrm>
-            <a:off x="757555" y="1482725"/>
-            <a:ext cx="1704340" cy="1704340"/>
+            <a:off x="6410325" y="915035"/>
+            <a:ext cx="1261745" cy="1262380"/>
           </a:xfrm>
           <a:prstGeom prst="ellipse">
             <a:avLst/>
@@ -22389,701 +21615,6 @@
       </p:sp>
       <p:sp>
         <p:nvSpPr>
-          <p:cNvPr id="5" name="Text Box 4"/>
-          <p:cNvSpPr txBox="1"/>
-          <p:nvPr>
-            <p:custDataLst>
-              <p:tags r:id="rId2"/>
-            </p:custDataLst>
-          </p:nvPr>
-        </p:nvSpPr>
-        <p:spPr>
-          <a:xfrm rot="5400000">
-            <a:off x="-1236345" y="5244465"/>
-            <a:ext cx="2849880" cy="377190"/>
-          </a:xfrm>
-          <a:prstGeom prst="rect">
-            <a:avLst/>
-          </a:prstGeom>
-        </p:spPr>
-        <p:style>
-          <a:lnRef idx="2">
-            <a:schemeClr val="lt1"/>
-          </a:lnRef>
-          <a:fillRef idx="1">
-            <a:prstClr val="black"/>
-          </a:fillRef>
-          <a:effectRef idx="1">
-            <a:prstClr val="black"/>
-          </a:effectRef>
-          <a:fontRef idx="minor">
-            <a:schemeClr val="lt1"/>
-          </a:fontRef>
-        </p:style>
-        <p:txBody>
-          <a:bodyPr wrap="square" rtlCol="0">
-            <a:noAutofit/>
-          </a:bodyPr>
-          <a:p>
-            <a:pPr algn="ctr"/>
-            <a:r>
-              <a:rPr lang="en-US"/>
-              <a:t>joeshwoa.george@gmail.com</a:t>
-            </a:r>
-            <a:endParaRPr lang="en-US"/>
-          </a:p>
-        </p:txBody>
-      </p:sp>
-    </p:spTree>
-  </p:cSld>
-  <p:clrMapOvr>
-    <a:masterClrMapping/>
-  </p:clrMapOvr>
-</p:sld>
-</file>
-
-<file path=ppt/slides/slide30.xml><?xml version="1.0" encoding="utf-8"?>
-<p:sld xmlns:a="http://schemas.openxmlformats.org/drawingml/2006/main" xmlns:r="http://schemas.openxmlformats.org/officeDocument/2006/relationships" xmlns:p="http://schemas.openxmlformats.org/presentationml/2006/main">
-  <p:cSld>
-    <p:spTree>
-      <p:nvGrpSpPr>
-        <p:cNvPr id="1" name=""/>
-        <p:cNvGrpSpPr/>
-        <p:nvPr/>
-      </p:nvGrpSpPr>
-      <p:grpSpPr/>
-      <p:sp>
-        <p:nvSpPr>
-          <p:cNvPr id="136" name="Google Shape;136;p19"/>
-          <p:cNvSpPr/>
-          <p:nvPr>
-            <p:custDataLst>
-              <p:tags r:id="rId1"/>
-            </p:custDataLst>
-          </p:nvPr>
-        </p:nvSpPr>
-        <p:spPr>
-          <a:xfrm>
-            <a:off x="1110585" y="1307323"/>
-            <a:ext cx="1262400" cy="1262400"/>
-          </a:xfrm>
-          <a:prstGeom prst="ellipse">
-            <a:avLst/>
-          </a:prstGeom>
-          <a:gradFill>
-            <a:gsLst>
-              <a:gs pos="0">
-                <a:srgbClr val="30C088"/>
-              </a:gs>
-              <a:gs pos="52999">
-                <a:srgbClr val="3FCF99"/>
-              </a:gs>
-              <a:gs pos="100000">
-                <a:srgbClr val="FFFFFF">
-                  <a:alpha val="1960"/>
-                </a:srgbClr>
-              </a:gs>
-            </a:gsLst>
-            <a:path path="circle">
-              <a:fillToRect l="50000" t="50000" r="50000" b="50000"/>
-            </a:path>
-            <a:tileRect/>
-          </a:gradFill>
-          <a:ln>
-            <a:noFill/>
-          </a:ln>
-        </p:spPr>
-        <p:txBody>
-          <a:bodyPr spcFirstLastPara="1" wrap="square" lIns="91425" tIns="91425" rIns="91425" bIns="91425" anchor="ctr" anchorCtr="0">
-            <a:noAutofit/>
-          </a:bodyPr>
-          <a:p>
-            <a:pPr marL="0" marR="0" lvl="0" indent="0" algn="ctr" rtl="0">
-              <a:lnSpc>
-                <a:spcPct val="100000"/>
-              </a:lnSpc>
-              <a:spcBef>
-                <a:spcPts val="0"/>
-              </a:spcBef>
-              <a:spcAft>
-                <a:spcPts val="0"/>
-              </a:spcAft>
-              <a:buNone/>
-            </a:pPr>
-            <a:endParaRPr>
-              <a:latin typeface="Antic Slab"/>
-              <a:ea typeface="Antic Slab"/>
-              <a:cs typeface="Antic Slab"/>
-              <a:sym typeface="Antic Slab"/>
-            </a:endParaRPr>
-          </a:p>
-        </p:txBody>
-      </p:sp>
-      <p:sp>
-        <p:nvSpPr>
-          <p:cNvPr id="2" name="Title 1"/>
-          <p:cNvSpPr/>
-          <p:nvPr>
-            <p:ph type="title"/>
-          </p:nvPr>
-        </p:nvSpPr>
-        <p:spPr/>
-        <p:txBody>
-          <a:bodyPr/>
-          <a:p>
-            <a:r>
-              <a:rPr lang="en-US">
-                <a:sym typeface="+mn-ea"/>
-              </a:rPr>
-              <a:t>Homework</a:t>
-            </a:r>
-            <a:endParaRPr lang="en-US"/>
-          </a:p>
-        </p:txBody>
-      </p:sp>
-      <p:sp>
-        <p:nvSpPr>
-          <p:cNvPr id="3" name="Text Placeholder 2"/>
-          <p:cNvSpPr/>
-          <p:nvPr>
-            <p:ph type="body" idx="1"/>
-          </p:nvPr>
-        </p:nvSpPr>
-        <p:spPr>
-          <a:xfrm>
-            <a:off x="1401445" y="2789555"/>
-            <a:ext cx="8284210" cy="3265805"/>
-          </a:xfrm>
-        </p:spPr>
-        <p:txBody>
-          <a:bodyPr/>
-          <a:p>
-            <a:pPr>
-              <a:lnSpc>
-                <a:spcPct val="150000"/>
-              </a:lnSpc>
-            </a:pPr>
-            <a:r>
-              <a:rPr lang="en-US"/>
-              <a:t>Create a roles system for your app by adding a role column to the profiles table.</a:t>
-            </a:r>
-            <a:endParaRPr lang="en-US"/>
-          </a:p>
-          <a:p>
-            <a:pPr>
-              <a:lnSpc>
-                <a:spcPct val="150000"/>
-              </a:lnSpc>
-            </a:pPr>
-            <a:r>
-              <a:rPr lang="en-US"/>
-              <a:t>Create different levels of access (e.g., only admins can view all profiles, while users can only view their own)</a:t>
-            </a:r>
-            <a:endParaRPr lang="en-US"/>
-          </a:p>
-          <a:p>
-            <a:pPr>
-              <a:lnSpc>
-                <a:spcPct val="150000"/>
-              </a:lnSpc>
-            </a:pPr>
-            <a:r>
-              <a:rPr lang="en-US"/>
-              <a:t>Create signup and login pages using </a:t>
-            </a:r>
-            <a:r>
-              <a:rPr lang="en-US">
-                <a:solidFill>
-                  <a:srgbClr val="FF0000"/>
-                </a:solidFill>
-              </a:rPr>
-              <a:t>ANY FRONTEND FRAMEWORK</a:t>
-            </a:r>
-            <a:r>
-              <a:rPr lang="en-US"/>
-              <a:t>.</a:t>
-            </a:r>
-            <a:endParaRPr lang="en-US"/>
-          </a:p>
-          <a:p>
-            <a:pPr>
-              <a:lnSpc>
-                <a:spcPct val="150000"/>
-              </a:lnSpc>
-            </a:pPr>
-            <a:r>
-              <a:rPr lang="en-US"/>
-              <a:t>Use Supabase SDK to handle authentication.</a:t>
-            </a:r>
-            <a:endParaRPr lang="en-US"/>
-          </a:p>
-          <a:p>
-            <a:pPr>
-              <a:lnSpc>
-                <a:spcPct val="150000"/>
-              </a:lnSpc>
-            </a:pPr>
-            <a:endParaRPr lang="en-US"/>
-          </a:p>
-        </p:txBody>
-      </p:sp>
-      <p:sp>
-        <p:nvSpPr>
-          <p:cNvPr id="5" name="Text Box 4"/>
-          <p:cNvSpPr txBox="1"/>
-          <p:nvPr>
-            <p:custDataLst>
-              <p:tags r:id="rId2"/>
-            </p:custDataLst>
-          </p:nvPr>
-        </p:nvSpPr>
-        <p:spPr>
-          <a:xfrm rot="5400000">
-            <a:off x="-1236345" y="5244465"/>
-            <a:ext cx="2849880" cy="377190"/>
-          </a:xfrm>
-          <a:prstGeom prst="rect">
-            <a:avLst/>
-          </a:prstGeom>
-        </p:spPr>
-        <p:style>
-          <a:lnRef idx="2">
-            <a:schemeClr val="lt1"/>
-          </a:lnRef>
-          <a:fillRef idx="1">
-            <a:prstClr val="black"/>
-          </a:fillRef>
-          <a:effectRef idx="1">
-            <a:prstClr val="black"/>
-          </a:effectRef>
-          <a:fontRef idx="minor">
-            <a:schemeClr val="lt1"/>
-          </a:fontRef>
-        </p:style>
-        <p:txBody>
-          <a:bodyPr wrap="square" rtlCol="0">
-            <a:noAutofit/>
-          </a:bodyPr>
-          <a:p>
-            <a:pPr algn="ctr"/>
-            <a:r>
-              <a:rPr lang="en-US"/>
-              <a:t>joeshwoa.george@gmail.com</a:t>
-            </a:r>
-            <a:endParaRPr lang="en-US"/>
-          </a:p>
-        </p:txBody>
-      </p:sp>
-    </p:spTree>
-  </p:cSld>
-  <p:clrMapOvr>
-    <a:masterClrMapping/>
-  </p:clrMapOvr>
-</p:sld>
-</file>
-
-<file path=ppt/slides/slide31.xml><?xml version="1.0" encoding="utf-8"?>
-<p:sld xmlns:a="http://schemas.openxmlformats.org/drawingml/2006/main" xmlns:r="http://schemas.openxmlformats.org/officeDocument/2006/relationships" xmlns:p="http://schemas.openxmlformats.org/presentationml/2006/main">
-  <p:cSld>
-    <p:spTree>
-      <p:nvGrpSpPr>
-        <p:cNvPr id="1" name=""/>
-        <p:cNvGrpSpPr/>
-        <p:nvPr/>
-      </p:nvGrpSpPr>
-      <p:grpSpPr/>
-      <p:sp>
-        <p:nvSpPr>
-          <p:cNvPr id="136" name="Google Shape;136;p19"/>
-          <p:cNvSpPr/>
-          <p:nvPr>
-            <p:custDataLst>
-              <p:tags r:id="rId1"/>
-            </p:custDataLst>
-          </p:nvPr>
-        </p:nvSpPr>
-        <p:spPr>
-          <a:xfrm>
-            <a:off x="1110585" y="1307323"/>
-            <a:ext cx="1262400" cy="1262400"/>
-          </a:xfrm>
-          <a:prstGeom prst="ellipse">
-            <a:avLst/>
-          </a:prstGeom>
-          <a:gradFill>
-            <a:gsLst>
-              <a:gs pos="0">
-                <a:srgbClr val="30C088"/>
-              </a:gs>
-              <a:gs pos="52999">
-                <a:srgbClr val="3FCF99"/>
-              </a:gs>
-              <a:gs pos="100000">
-                <a:srgbClr val="FFFFFF">
-                  <a:alpha val="1960"/>
-                </a:srgbClr>
-              </a:gs>
-            </a:gsLst>
-            <a:path path="circle">
-              <a:fillToRect l="50000" t="50000" r="50000" b="50000"/>
-            </a:path>
-            <a:tileRect/>
-          </a:gradFill>
-          <a:ln>
-            <a:noFill/>
-          </a:ln>
-        </p:spPr>
-        <p:txBody>
-          <a:bodyPr spcFirstLastPara="1" wrap="square" lIns="91425" tIns="91425" rIns="91425" bIns="91425" anchor="ctr" anchorCtr="0">
-            <a:noAutofit/>
-          </a:bodyPr>
-          <a:p>
-            <a:pPr marL="0" marR="0" lvl="0" indent="0" algn="ctr" rtl="0">
-              <a:lnSpc>
-                <a:spcPct val="100000"/>
-              </a:lnSpc>
-              <a:spcBef>
-                <a:spcPts val="0"/>
-              </a:spcBef>
-              <a:spcAft>
-                <a:spcPts val="0"/>
-              </a:spcAft>
-              <a:buNone/>
-            </a:pPr>
-            <a:endParaRPr>
-              <a:latin typeface="Antic Slab"/>
-              <a:ea typeface="Antic Slab"/>
-              <a:cs typeface="Antic Slab"/>
-              <a:sym typeface="Antic Slab"/>
-            </a:endParaRPr>
-          </a:p>
-        </p:txBody>
-      </p:sp>
-      <p:sp>
-        <p:nvSpPr>
-          <p:cNvPr id="2" name="Title 1"/>
-          <p:cNvSpPr/>
-          <p:nvPr>
-            <p:ph type="title"/>
-          </p:nvPr>
-        </p:nvSpPr>
-        <p:spPr/>
-        <p:txBody>
-          <a:bodyPr/>
-          <a:p>
-            <a:r>
-              <a:rPr lang="en-US">
-                <a:sym typeface="+mn-ea"/>
-              </a:rPr>
-              <a:t>Homework</a:t>
-            </a:r>
-            <a:endParaRPr lang="en-US"/>
-          </a:p>
-        </p:txBody>
-      </p:sp>
-      <p:sp>
-        <p:nvSpPr>
-          <p:cNvPr id="3" name="Text Placeholder 2"/>
-          <p:cNvSpPr/>
-          <p:nvPr>
-            <p:ph type="body" idx="1"/>
-          </p:nvPr>
-        </p:nvSpPr>
-        <p:spPr>
-          <a:xfrm>
-            <a:off x="1401445" y="2789555"/>
-            <a:ext cx="8284210" cy="3265805"/>
-          </a:xfrm>
-        </p:spPr>
-        <p:txBody>
-          <a:bodyPr/>
-          <a:p>
-            <a:pPr>
-              <a:lnSpc>
-                <a:spcPct val="150000"/>
-              </a:lnSpc>
-            </a:pPr>
-            <a:r>
-              <a:rPr lang="en-US"/>
-              <a:t>Create a user profile page where users can update their username and avatar.</a:t>
-            </a:r>
-            <a:endParaRPr lang="en-US"/>
-          </a:p>
-          <a:p>
-            <a:pPr>
-              <a:lnSpc>
-                <a:spcPct val="150000"/>
-              </a:lnSpc>
-            </a:pPr>
-            <a:r>
-              <a:rPr lang="en-US"/>
-              <a:t>Implement a file upload feature for profile pictures using the Supabase storage API.</a:t>
-            </a:r>
-            <a:endParaRPr lang="en-US"/>
-          </a:p>
-          <a:p>
-            <a:pPr>
-              <a:lnSpc>
-                <a:spcPct val="150000"/>
-              </a:lnSpc>
-            </a:pPr>
-            <a:r>
-              <a:rPr lang="en-US"/>
-              <a:t>Ensure the profile data is stored in the profiles table and linked to the user’s ID from Supabase Auth</a:t>
-            </a:r>
-            <a:endParaRPr lang="en-US"/>
-          </a:p>
-        </p:txBody>
-      </p:sp>
-      <p:sp>
-        <p:nvSpPr>
-          <p:cNvPr id="5" name="Text Box 4"/>
-          <p:cNvSpPr txBox="1"/>
-          <p:nvPr>
-            <p:custDataLst>
-              <p:tags r:id="rId2"/>
-            </p:custDataLst>
-          </p:nvPr>
-        </p:nvSpPr>
-        <p:spPr>
-          <a:xfrm rot="5400000">
-            <a:off x="-1236345" y="5244465"/>
-            <a:ext cx="2849880" cy="377190"/>
-          </a:xfrm>
-          <a:prstGeom prst="rect">
-            <a:avLst/>
-          </a:prstGeom>
-        </p:spPr>
-        <p:style>
-          <a:lnRef idx="2">
-            <a:schemeClr val="lt1"/>
-          </a:lnRef>
-          <a:fillRef idx="1">
-            <a:prstClr val="black"/>
-          </a:fillRef>
-          <a:effectRef idx="1">
-            <a:prstClr val="black"/>
-          </a:effectRef>
-          <a:fontRef idx="minor">
-            <a:schemeClr val="lt1"/>
-          </a:fontRef>
-        </p:style>
-        <p:txBody>
-          <a:bodyPr wrap="square" rtlCol="0">
-            <a:noAutofit/>
-          </a:bodyPr>
-          <a:p>
-            <a:pPr algn="ctr"/>
-            <a:r>
-              <a:rPr lang="en-US"/>
-              <a:t>joeshwoa.george@gmail.com</a:t>
-            </a:r>
-            <a:endParaRPr lang="en-US"/>
-          </a:p>
-        </p:txBody>
-      </p:sp>
-    </p:spTree>
-  </p:cSld>
-  <p:clrMapOvr>
-    <a:masterClrMapping/>
-  </p:clrMapOvr>
-</p:sld>
-</file>
-
-<file path=ppt/slides/slide32.xml><?xml version="1.0" encoding="utf-8"?>
-<p:sld xmlns:a="http://schemas.openxmlformats.org/drawingml/2006/main" xmlns:r="http://schemas.openxmlformats.org/officeDocument/2006/relationships" xmlns:p="http://schemas.openxmlformats.org/presentationml/2006/main">
-  <p:cSld>
-    <p:spTree>
-      <p:nvGrpSpPr>
-        <p:cNvPr id="175" name="Shape 175"/>
-        <p:cNvGrpSpPr/>
-        <p:nvPr/>
-      </p:nvGrpSpPr>
-      <p:grpSpPr>
-        <a:xfrm>
-          <a:off x="0" y="0"/>
-          <a:ext cx="0" cy="0"/>
-          <a:chOff x="0" y="0"/>
-          <a:chExt cx="0" cy="0"/>
-        </a:xfrm>
-      </p:grpSpPr>
-      <p:pic>
-        <p:nvPicPr>
-          <p:cNvPr id="176" name="Google Shape;176;p23"/>
-          <p:cNvPicPr preferRelativeResize="0"/>
-          <p:nvPr/>
-        </p:nvPicPr>
-        <p:blipFill rotWithShape="1">
-          <a:blip r:embed="rId1"/>
-          <a:srcRect l="5658" r="5658"/>
-          <a:stretch>
-            <a:fillRect/>
-          </a:stretch>
-        </p:blipFill>
-        <p:spPr>
-          <a:xfrm>
-            <a:off x="550225" y="802978"/>
-            <a:ext cx="5790000" cy="4351500"/>
-          </a:xfrm>
-          <a:prstGeom prst="roundRect">
-            <a:avLst>
-              <a:gd name="adj" fmla="val 0"/>
-            </a:avLst>
-          </a:prstGeom>
-          <a:noFill/>
-          <a:ln>
-            <a:noFill/>
-          </a:ln>
-        </p:spPr>
-      </p:pic>
-      <p:sp>
-        <p:nvSpPr>
-          <p:cNvPr id="177" name="Google Shape;177;p23"/>
-          <p:cNvSpPr/>
-          <p:nvPr/>
-        </p:nvSpPr>
-        <p:spPr>
-          <a:xfrm>
-            <a:off x="6410300" y="915088"/>
-            <a:ext cx="1262400" cy="1262400"/>
-          </a:xfrm>
-          <a:prstGeom prst="ellipse">
-            <a:avLst/>
-          </a:prstGeom>
-          <a:gradFill>
-            <a:gsLst>
-              <a:gs pos="0">
-                <a:schemeClr val="accent1"/>
-              </a:gs>
-              <a:gs pos="52999">
-                <a:schemeClr val="accent1"/>
-              </a:gs>
-              <a:gs pos="100000">
-                <a:srgbClr val="FFFFFF">
-                  <a:alpha val="1960"/>
-                </a:srgbClr>
-              </a:gs>
-            </a:gsLst>
-            <a:path path="circle">
-              <a:fillToRect l="50000" t="50000" r="50000" b="50000"/>
-            </a:path>
-            <a:tileRect/>
-          </a:gradFill>
-          <a:ln>
-            <a:noFill/>
-          </a:ln>
-        </p:spPr>
-        <p:txBody>
-          <a:bodyPr spcFirstLastPara="1" wrap="square" lIns="91425" tIns="91425" rIns="91425" bIns="91425" anchor="ctr" anchorCtr="0">
-            <a:noAutofit/>
-          </a:bodyPr>
-          <a:lstStyle/>
-          <a:p>
-            <a:pPr marL="0" marR="0" lvl="0" indent="0" algn="ctr" rtl="0">
-              <a:lnSpc>
-                <a:spcPct val="100000"/>
-              </a:lnSpc>
-              <a:spcBef>
-                <a:spcPts val="0"/>
-              </a:spcBef>
-              <a:spcAft>
-                <a:spcPts val="0"/>
-              </a:spcAft>
-              <a:buNone/>
-            </a:pPr>
-            <a:endParaRPr>
-              <a:latin typeface="Antic Slab"/>
-              <a:ea typeface="Antic Slab"/>
-              <a:cs typeface="Antic Slab"/>
-              <a:sym typeface="Antic Slab"/>
-            </a:endParaRPr>
-          </a:p>
-        </p:txBody>
-      </p:sp>
-      <p:sp>
-        <p:nvSpPr>
-          <p:cNvPr id="117" name="Google Shape;117;p17"/>
-          <p:cNvSpPr/>
-          <p:nvPr>
-            <p:custDataLst>
-              <p:tags r:id="rId2"/>
-            </p:custDataLst>
-          </p:nvPr>
-        </p:nvSpPr>
-        <p:spPr>
-          <a:xfrm>
-            <a:off x="6410325" y="915035"/>
-            <a:ext cx="1261745" cy="1262380"/>
-          </a:xfrm>
-          <a:prstGeom prst="ellipse">
-            <a:avLst/>
-          </a:prstGeom>
-          <a:gradFill>
-            <a:gsLst>
-              <a:gs pos="0">
-                <a:schemeClr val="accent1">
-                  <a:lumMod val="5000"/>
-                  <a:lumOff val="95000"/>
-                </a:schemeClr>
-              </a:gs>
-              <a:gs pos="74000">
-                <a:srgbClr val="3FCF99"/>
-              </a:gs>
-              <a:gs pos="83000">
-                <a:schemeClr val="accent1">
-                  <a:lumMod val="45000"/>
-                  <a:lumOff val="55000"/>
-                </a:schemeClr>
-              </a:gs>
-              <a:gs pos="100000">
-                <a:schemeClr val="accent1">
-                  <a:lumMod val="30000"/>
-                  <a:lumOff val="70000"/>
-                </a:schemeClr>
-              </a:gs>
-            </a:gsLst>
-            <a:path path="circle">
-              <a:fillToRect r="100000" b="100000"/>
-            </a:path>
-            <a:tileRect l="-100000" t="-100000"/>
-          </a:gradFill>
-          <a:ln>
-            <a:noFill/>
-          </a:ln>
-        </p:spPr>
-        <p:txBody>
-          <a:bodyPr spcFirstLastPara="1" wrap="square" lIns="91425" tIns="91425" rIns="91425" bIns="91425" anchor="ctr" anchorCtr="0">
-            <a:noAutofit/>
-          </a:bodyPr>
-          <a:p>
-            <a:pPr marL="0" lvl="0" indent="0" algn="ctr" rtl="0">
-              <a:spcBef>
-                <a:spcPts val="0"/>
-              </a:spcBef>
-              <a:spcAft>
-                <a:spcPts val="0"/>
-              </a:spcAft>
-              <a:buNone/>
-            </a:pPr>
-            <a:endParaRPr>
-              <a:effectLst>
-                <a:glow rad="228600">
-                  <a:schemeClr val="accent4">
-                    <a:satMod val="175000"/>
-                    <a:alpha val="40000"/>
-                  </a:schemeClr>
-                </a:glow>
-              </a:effectLst>
-              <a:latin typeface="Antic Slab"/>
-              <a:ea typeface="Antic Slab"/>
-              <a:cs typeface="Antic Slab"/>
-              <a:sym typeface="Antic Slab"/>
-            </a:endParaRPr>
-          </a:p>
-        </p:txBody>
-      </p:sp>
-      <p:sp>
-        <p:nvSpPr>
           <p:cNvPr id="178" name="Google Shape;178;p23"/>
           <p:cNvSpPr txBox="1"/>
           <p:nvPr>
@@ -23305,7 +21836,7 @@
 </p:sld>
 </file>
 
-<file path=ppt/slides/slide33.xml><?xml version="1.0" encoding="utf-8"?>
+<file path=ppt/slides/slide28.xml><?xml version="1.0" encoding="utf-8"?>
 <p:sld xmlns:a="http://schemas.openxmlformats.org/drawingml/2006/main" xmlns:r="http://schemas.openxmlformats.org/officeDocument/2006/relationships" xmlns:p="http://schemas.openxmlformats.org/presentationml/2006/main">
   <p:cSld>
     <p:spTree>
@@ -23811,7 +22342,7 @@
 </p:sld>
 </file>
 
-<file path=ppt/slides/slide34.xml><?xml version="1.0" encoding="utf-8"?>
+<file path=ppt/slides/slide29.xml><?xml version="1.0" encoding="utf-8"?>
 <p:sld xmlns:a="http://schemas.openxmlformats.org/drawingml/2006/main" xmlns:r="http://schemas.openxmlformats.org/officeDocument/2006/relationships" xmlns:p="http://schemas.openxmlformats.org/presentationml/2006/main">
   <p:cSld>
     <p:spTree>
@@ -23926,7 +22457,7 @@
             </a:pPr>
             <a:r>
               <a:rPr lang="en-US" altLang="en-GB" sz="10000"/>
-              <a:t>See you next sesson</a:t>
+              <a:t>See you next session</a:t>
             </a:r>
             <a:r>
               <a:rPr lang="en-GB" sz="10000"/>
@@ -24113,7 +22644,305 @@
 </p:sld>
 </file>
 
-<file path=ppt/slides/slide35.xml><?xml version="1.0" encoding="utf-8"?>
+<file path=ppt/slides/slide3.xml><?xml version="1.0" encoding="utf-8"?>
+<p:sld xmlns:a="http://schemas.openxmlformats.org/drawingml/2006/main" xmlns:r="http://schemas.openxmlformats.org/officeDocument/2006/relationships" xmlns:p="http://schemas.openxmlformats.org/presentationml/2006/main">
+  <p:cSld>
+    <p:spTree>
+      <p:nvGrpSpPr>
+        <p:cNvPr id="272" name="Shape 272"/>
+        <p:cNvGrpSpPr/>
+        <p:nvPr/>
+      </p:nvGrpSpPr>
+      <p:grpSpPr>
+        <a:xfrm>
+          <a:off x="0" y="0"/>
+          <a:ext cx="0" cy="0"/>
+          <a:chOff x="0" y="0"/>
+          <a:chExt cx="0" cy="0"/>
+        </a:xfrm>
+      </p:grpSpPr>
+      <p:sp>
+        <p:nvSpPr>
+          <p:cNvPr id="273" name="Google Shape;273;p30"/>
+          <p:cNvSpPr/>
+          <p:nvPr/>
+        </p:nvSpPr>
+        <p:spPr>
+          <a:xfrm>
+            <a:off x="757700" y="1482829"/>
+            <a:ext cx="1704300" cy="1704300"/>
+          </a:xfrm>
+          <a:prstGeom prst="ellipse">
+            <a:avLst/>
+          </a:prstGeom>
+          <a:gradFill>
+            <a:gsLst>
+              <a:gs pos="0">
+                <a:schemeClr val="accent1"/>
+              </a:gs>
+              <a:gs pos="52999">
+                <a:schemeClr val="accent1"/>
+              </a:gs>
+              <a:gs pos="100000">
+                <a:srgbClr val="FFFFFF">
+                  <a:alpha val="1960"/>
+                </a:srgbClr>
+              </a:gs>
+            </a:gsLst>
+            <a:path path="circle">
+              <a:fillToRect l="50000" t="50000" r="50000" b="50000"/>
+            </a:path>
+            <a:tileRect/>
+          </a:gradFill>
+          <a:ln>
+            <a:noFill/>
+          </a:ln>
+        </p:spPr>
+        <p:txBody>
+          <a:bodyPr spcFirstLastPara="1" wrap="square" lIns="91425" tIns="91425" rIns="91425" bIns="91425" anchor="ctr" anchorCtr="0">
+            <a:noAutofit/>
+          </a:bodyPr>
+          <a:lstStyle/>
+          <a:p>
+            <a:pPr marL="0" marR="0" lvl="0" indent="0" algn="ctr" rtl="0">
+              <a:lnSpc>
+                <a:spcPct val="100000"/>
+              </a:lnSpc>
+              <a:spcBef>
+                <a:spcPts val="0"/>
+              </a:spcBef>
+              <a:spcAft>
+                <a:spcPts val="0"/>
+              </a:spcAft>
+              <a:buNone/>
+            </a:pPr>
+            <a:endParaRPr>
+              <a:latin typeface="Antic Slab"/>
+              <a:ea typeface="Antic Slab"/>
+              <a:cs typeface="Antic Slab"/>
+              <a:sym typeface="Antic Slab"/>
+            </a:endParaRPr>
+          </a:p>
+        </p:txBody>
+      </p:sp>
+      <p:sp>
+        <p:nvSpPr>
+          <p:cNvPr id="274" name="Google Shape;274;p30"/>
+          <p:cNvSpPr txBox="1"/>
+          <p:nvPr>
+            <p:ph type="title"/>
+          </p:nvPr>
+        </p:nvSpPr>
+        <p:spPr>
+          <a:xfrm>
+            <a:off x="511300" y="1949725"/>
+            <a:ext cx="11142300" cy="3160800"/>
+          </a:xfrm>
+          <a:prstGeom prst="rect">
+            <a:avLst/>
+          </a:prstGeom>
+        </p:spPr>
+        <p:txBody>
+          <a:bodyPr spcFirstLastPara="1" wrap="square" lIns="121900" tIns="121900" rIns="121900" bIns="121900" anchor="ctr" anchorCtr="0">
+            <a:noAutofit/>
+          </a:bodyPr>
+          <a:lstStyle/>
+          <a:p>
+            <a:pPr marL="0" lvl="0" indent="0" algn="ctr" rtl="0">
+              <a:spcBef>
+                <a:spcPts val="0"/>
+              </a:spcBef>
+              <a:spcAft>
+                <a:spcPts val="0"/>
+              </a:spcAft>
+              <a:buNone/>
+            </a:pPr>
+            <a:r>
+              <a:rPr sz="10000"/>
+              <a:t>Any questions?</a:t>
+            </a:r>
+            <a:endParaRPr sz="10000"/>
+          </a:p>
+        </p:txBody>
+      </p:sp>
+      <p:sp>
+        <p:nvSpPr>
+          <p:cNvPr id="275" name="Google Shape;275;p30"/>
+          <p:cNvSpPr txBox="1"/>
+          <p:nvPr>
+            <p:ph type="subTitle" idx="1"/>
+          </p:nvPr>
+        </p:nvSpPr>
+        <p:spPr>
+          <a:xfrm>
+            <a:off x="202350" y="6408400"/>
+            <a:ext cx="11787300" cy="381300"/>
+          </a:xfrm>
+          <a:prstGeom prst="rect">
+            <a:avLst/>
+          </a:prstGeom>
+        </p:spPr>
+        <p:txBody>
+          <a:bodyPr spcFirstLastPara="1" wrap="square" lIns="121900" tIns="121900" rIns="121900" bIns="121900" anchor="ctr" anchorCtr="0">
+            <a:noAutofit/>
+          </a:bodyPr>
+          <a:lstStyle/>
+          <a:p>
+            <a:pPr marL="0" lvl="0" indent="0" algn="ctr" rtl="0">
+              <a:spcBef>
+                <a:spcPts val="0"/>
+              </a:spcBef>
+              <a:spcAft>
+                <a:spcPts val="0"/>
+              </a:spcAft>
+              <a:buNone/>
+            </a:pPr>
+            <a:r>
+              <a:rPr lang="en-US" altLang="en-GB" sz="1000" b="0"/>
+              <a:t>Don;t forget study this section well and write your questions in note and i will answer it in live session.</a:t>
+            </a:r>
+            <a:endParaRPr lang="en-US" altLang="en-GB" sz="1000" b="0"/>
+          </a:p>
+        </p:txBody>
+      </p:sp>
+      <p:sp>
+        <p:nvSpPr>
+          <p:cNvPr id="117" name="Google Shape;117;p17"/>
+          <p:cNvSpPr/>
+          <p:nvPr>
+            <p:custDataLst>
+              <p:tags r:id="rId1"/>
+            </p:custDataLst>
+          </p:nvPr>
+        </p:nvSpPr>
+        <p:spPr>
+          <a:xfrm>
+            <a:off x="757555" y="1482725"/>
+            <a:ext cx="1704340" cy="1704340"/>
+          </a:xfrm>
+          <a:prstGeom prst="ellipse">
+            <a:avLst/>
+          </a:prstGeom>
+          <a:gradFill>
+            <a:gsLst>
+              <a:gs pos="0">
+                <a:schemeClr val="accent1">
+                  <a:lumMod val="5000"/>
+                  <a:lumOff val="95000"/>
+                </a:schemeClr>
+              </a:gs>
+              <a:gs pos="74000">
+                <a:srgbClr val="3FCF99"/>
+              </a:gs>
+              <a:gs pos="83000">
+                <a:schemeClr val="accent1">
+                  <a:lumMod val="45000"/>
+                  <a:lumOff val="55000"/>
+                </a:schemeClr>
+              </a:gs>
+              <a:gs pos="100000">
+                <a:schemeClr val="accent1">
+                  <a:lumMod val="30000"/>
+                  <a:lumOff val="70000"/>
+                </a:schemeClr>
+              </a:gs>
+            </a:gsLst>
+            <a:path path="circle">
+              <a:fillToRect r="100000" b="100000"/>
+            </a:path>
+            <a:tileRect l="-100000" t="-100000"/>
+          </a:gradFill>
+          <a:ln>
+            <a:noFill/>
+          </a:ln>
+        </p:spPr>
+        <p:txBody>
+          <a:bodyPr spcFirstLastPara="1" wrap="square" lIns="91425" tIns="91425" rIns="91425" bIns="91425" anchor="ctr" anchorCtr="0">
+            <a:noAutofit/>
+          </a:bodyPr>
+          <a:p>
+            <a:pPr marL="0" lvl="0" indent="0" algn="ctr" rtl="0">
+              <a:spcBef>
+                <a:spcPts val="0"/>
+              </a:spcBef>
+              <a:spcAft>
+                <a:spcPts val="0"/>
+              </a:spcAft>
+              <a:buNone/>
+            </a:pPr>
+            <a:endParaRPr>
+              <a:effectLst>
+                <a:glow rad="228600">
+                  <a:schemeClr val="accent4">
+                    <a:satMod val="175000"/>
+                    <a:alpha val="40000"/>
+                  </a:schemeClr>
+                </a:glow>
+              </a:effectLst>
+              <a:latin typeface="Antic Slab"/>
+              <a:ea typeface="Antic Slab"/>
+              <a:cs typeface="Antic Slab"/>
+              <a:sym typeface="Antic Slab"/>
+            </a:endParaRPr>
+          </a:p>
+        </p:txBody>
+      </p:sp>
+      <p:sp>
+        <p:nvSpPr>
+          <p:cNvPr id="5" name="Text Box 4"/>
+          <p:cNvSpPr txBox="1"/>
+          <p:nvPr>
+            <p:custDataLst>
+              <p:tags r:id="rId2"/>
+            </p:custDataLst>
+          </p:nvPr>
+        </p:nvSpPr>
+        <p:spPr>
+          <a:xfrm rot="5400000">
+            <a:off x="-1236345" y="5244465"/>
+            <a:ext cx="2849880" cy="377190"/>
+          </a:xfrm>
+          <a:prstGeom prst="rect">
+            <a:avLst/>
+          </a:prstGeom>
+        </p:spPr>
+        <p:style>
+          <a:lnRef idx="2">
+            <a:schemeClr val="lt1"/>
+          </a:lnRef>
+          <a:fillRef idx="1">
+            <a:prstClr val="black"/>
+          </a:fillRef>
+          <a:effectRef idx="1">
+            <a:prstClr val="black"/>
+          </a:effectRef>
+          <a:fontRef idx="minor">
+            <a:schemeClr val="lt1"/>
+          </a:fontRef>
+        </p:style>
+        <p:txBody>
+          <a:bodyPr wrap="square" rtlCol="0">
+            <a:noAutofit/>
+          </a:bodyPr>
+          <a:p>
+            <a:pPr algn="ctr"/>
+            <a:r>
+              <a:rPr lang="en-US"/>
+              <a:t>joeshwoa.george@gmail.com</a:t>
+            </a:r>
+            <a:endParaRPr lang="en-US"/>
+          </a:p>
+        </p:txBody>
+      </p:sp>
+    </p:spTree>
+  </p:cSld>
+  <p:clrMapOvr>
+    <a:masterClrMapping/>
+  </p:clrMapOvr>
+</p:sld>
+</file>
+
+<file path=ppt/slides/slide30.xml><?xml version="1.0" encoding="utf-8"?>
 <p:sld xmlns:a="http://schemas.openxmlformats.org/drawingml/2006/main" xmlns:r="http://schemas.openxmlformats.org/officeDocument/2006/relationships" xmlns:p="http://schemas.openxmlformats.org/presentationml/2006/main">
   <p:cSld>
     <p:spTree>
@@ -28022,67 +26851,7 @@
 </p:tagLst>
 </file>
 
-<file path=ppt/tags/tag62.xml><?xml version="1.0" encoding="utf-8"?>
-<p:tagLst xmlns:p="http://schemas.openxmlformats.org/presentationml/2006/main">
-  <p:tag name="KSO_WM_BEAUTIFY_FLAG" val=""/>
-</p:tagLst>
-</file>
-
-<file path=ppt/tags/tag63.xml><?xml version="1.0" encoding="utf-8"?>
-<p:tagLst xmlns:p="http://schemas.openxmlformats.org/presentationml/2006/main">
-  <p:tag name="KSO_WM_BEAUTIFY_FLAG" val=""/>
-</p:tagLst>
-</file>
-
-<file path=ppt/tags/tag64.xml><?xml version="1.0" encoding="utf-8"?>
-<p:tagLst xmlns:p="http://schemas.openxmlformats.org/presentationml/2006/main">
-  <p:tag name="KSO_WM_BEAUTIFY_FLAG" val=""/>
-</p:tagLst>
-</file>
-
-<file path=ppt/tags/tag65.xml><?xml version="1.0" encoding="utf-8"?>
-<p:tagLst xmlns:p="http://schemas.openxmlformats.org/presentationml/2006/main">
-  <p:tag name="KSO_WM_BEAUTIFY_FLAG" val=""/>
-</p:tagLst>
-</file>
-
-<file path=ppt/tags/tag66.xml><?xml version="1.0" encoding="utf-8"?>
-<p:tagLst xmlns:p="http://schemas.openxmlformats.org/presentationml/2006/main">
-  <p:tag name="KSO_WM_BEAUTIFY_FLAG" val=""/>
-</p:tagLst>
-</file>
-
-<file path=ppt/tags/tag67.xml><?xml version="1.0" encoding="utf-8"?>
-<p:tagLst xmlns:p="http://schemas.openxmlformats.org/presentationml/2006/main">
-  <p:tag name="KSO_WM_BEAUTIFY_FLAG" val=""/>
-</p:tagLst>
-</file>
-
-<file path=ppt/tags/tag68.xml><?xml version="1.0" encoding="utf-8"?>
-<p:tagLst xmlns:p="http://schemas.openxmlformats.org/presentationml/2006/main">
-  <p:tag name="KSO_WM_BEAUTIFY_FLAG" val=""/>
-</p:tagLst>
-</file>
-
-<file path=ppt/tags/tag69.xml><?xml version="1.0" encoding="utf-8"?>
-<p:tagLst xmlns:p="http://schemas.openxmlformats.org/presentationml/2006/main">
-  <p:tag name="KSO_WM_BEAUTIFY_FLAG" val=""/>
-</p:tagLst>
-</file>
-
 <file path=ppt/tags/tag7.xml><?xml version="1.0" encoding="utf-8"?>
-<p:tagLst xmlns:p="http://schemas.openxmlformats.org/presentationml/2006/main">
-  <p:tag name="KSO_WM_BEAUTIFY_FLAG" val=""/>
-</p:tagLst>
-</file>
-
-<file path=ppt/tags/tag70.xml><?xml version="1.0" encoding="utf-8"?>
-<p:tagLst xmlns:p="http://schemas.openxmlformats.org/presentationml/2006/main">
-  <p:tag name="KSO_WM_BEAUTIFY_FLAG" val=""/>
-</p:tagLst>
-</file>
-
-<file path=ppt/tags/tag71.xml><?xml version="1.0" encoding="utf-8"?>
 <p:tagLst xmlns:p="http://schemas.openxmlformats.org/presentationml/2006/main">
   <p:tag name="KSO_WM_BEAUTIFY_FLAG" val=""/>
 </p:tagLst>

--- a/Mastering Supabase Session6.pptx
+++ b/Mastering Supabase Session6.pptx
@@ -59,10 +59,6 @@
     <p:embeddedFont>
       <p:font typeface="Homemade Apple" panose="02000000000000000000"/>
       <p:regular r:id="rId42"/>
-    </p:embeddedFont>
-    <p:embeddedFont>
-      <p:font typeface="Aldhabi" panose="01000000000000000000" charset="0"/>
-      <p:regular r:id="rId43"/>
     </p:embeddedFont>
   </p:embeddedFontLst>
   <p:defaultTextStyle>
@@ -20653,7 +20649,7 @@
           <a:p>
             <a:pPr lvl="0" algn="ctr"/>
             <a:r>
-              <a:rPr b="1" i="0">
+              <a:rPr b="1">
                 <a:ln w="28575" cap="flat" cmpd="sng">
                   <a:solidFill>
                     <a:schemeClr val="dk1"/>
@@ -20665,11 +20661,12 @@
                 </a:ln>
                 <a:noFill/>
                 <a:latin typeface="Calistoga"/>
+                <a:sym typeface="+mn-ea"/>
               </a:rPr>
               <a:t>0</a:t>
             </a:r>
             <a:r>
-              <a:rPr lang="ar-EG" b="1" i="0">
+              <a:rPr lang="en-US" b="1">
                 <a:ln w="28575" cap="flat" cmpd="sng">
                   <a:solidFill>
                     <a:schemeClr val="dk1"/>
@@ -20681,6 +20678,7 @@
                 </a:ln>
                 <a:noFill/>
                 <a:latin typeface="Calistoga"/>
+                <a:sym typeface="+mn-ea"/>
               </a:rPr>
               <a:t>4</a:t>
             </a:r>
@@ -23940,6 +23938,11 @@
             <a:r>
               <a:t>Understanding Roles and Permissions</a:t>
             </a:r>
+            <a:r>
+              <a:rPr lang="en-US"/>
+              <a:t>.</a:t>
+            </a:r>
+            <a:endParaRPr lang="en-US"/>
           </a:p>
         </p:txBody>
       </p:sp>
@@ -23978,6 +23981,11 @@
             <a:r>
               <a:t>Supabase Auth SDKs for Frontend Frameworks</a:t>
             </a:r>
+            <a:r>
+              <a:rPr lang="en-US"/>
+              <a:t>.</a:t>
+            </a:r>
+            <a:endParaRPr lang="en-US"/>
           </a:p>
         </p:txBody>
       </p:sp>
@@ -24252,6 +24260,11 @@
             <a:r>
               <a:t>Creating a User Profile System</a:t>
             </a:r>
+            <a:r>
+              <a:rPr lang="en-US"/>
+              <a:t>.</a:t>
+            </a:r>
+            <a:endParaRPr lang="en-US"/>
           </a:p>
         </p:txBody>
       </p:sp>
